--- a/Presentation for Task 3.pptx
+++ b/Presentation for Task 3.pptx
@@ -21,6 +21,19 @@
     <p:sldId id="269" r:id="rId15"/>
     <p:sldId id="271" r:id="rId16"/>
     <p:sldId id="272" r:id="rId17"/>
+    <p:sldId id="274" r:id="rId18"/>
+    <p:sldId id="275" r:id="rId19"/>
+    <p:sldId id="276" r:id="rId20"/>
+    <p:sldId id="278" r:id="rId21"/>
+    <p:sldId id="279" r:id="rId22"/>
+    <p:sldId id="280" r:id="rId23"/>
+    <p:sldId id="281" r:id="rId24"/>
+    <p:sldId id="282" r:id="rId25"/>
+    <p:sldId id="273" r:id="rId26"/>
+    <p:sldId id="283" r:id="rId27"/>
+    <p:sldId id="284" r:id="rId28"/>
+    <p:sldId id="285" r:id="rId29"/>
+    <p:sldId id="286" r:id="rId30"/>
   </p:sldIdLst>
   <p:sldSz cx="12192000" cy="6858000"/>
   <p:notesSz cx="6858000" cy="9144000"/>
@@ -15018,6 +15031,818 @@
 </p:sld>
 </file>
 
+<file path=ppt/slides/slide17.xml><?xml version="1.0" encoding="utf-8"?>
+<p:sld xmlns:a="http://schemas.openxmlformats.org/drawingml/2006/main" xmlns:r="http://schemas.openxmlformats.org/officeDocument/2006/relationships" xmlns:p="http://schemas.openxmlformats.org/presentationml/2006/main">
+  <p:cSld>
+    <p:spTree>
+      <p:nvGrpSpPr>
+        <p:cNvPr id="1" name=""/>
+        <p:cNvGrpSpPr/>
+        <p:nvPr/>
+      </p:nvGrpSpPr>
+      <p:grpSpPr>
+        <a:xfrm>
+          <a:off x="0" y="0"/>
+          <a:ext cx="0" cy="0"/>
+          <a:chOff x="0" y="0"/>
+          <a:chExt cx="0" cy="0"/>
+        </a:xfrm>
+      </p:grpSpPr>
+      <p:sp>
+        <p:nvSpPr>
+          <p:cNvPr id="2" name="TextBox 1">
+            <a:extLst>
+              <a:ext uri="{FF2B5EF4-FFF2-40B4-BE49-F238E27FC236}">
+                <a16:creationId xmlns:a16="http://schemas.microsoft.com/office/drawing/2014/main" id="{D704C5C5-ECFA-2BC1-3417-015E867192A3}"/>
+              </a:ext>
+            </a:extLst>
+          </p:cNvPr>
+          <p:cNvSpPr txBox="1"/>
+          <p:nvPr/>
+        </p:nvSpPr>
+        <p:spPr>
+          <a:xfrm>
+            <a:off x="433138" y="1082842"/>
+            <a:ext cx="9408694" cy="1569660"/>
+          </a:xfrm>
+          <a:prstGeom prst="rect">
+            <a:avLst/>
+          </a:prstGeom>
+          <a:noFill/>
+        </p:spPr>
+        <p:txBody>
+          <a:bodyPr wrap="square" rtlCol="0">
+            <a:spAutoFit/>
+          </a:bodyPr>
+          <a:lstStyle/>
+          <a:p>
+            <a:pPr algn="ctr"/>
+            <a:r>
+              <a:rPr lang="en-US" sz="4800" dirty="0"/>
+              <a:t>Tableau Worksheets, Dashboard and Story Screenshots</a:t>
+            </a:r>
+          </a:p>
+        </p:txBody>
+      </p:sp>
+    </p:spTree>
+    <p:extLst>
+      <p:ext uri="{BB962C8B-B14F-4D97-AF65-F5344CB8AC3E}">
+        <p14:creationId xmlns:p14="http://schemas.microsoft.com/office/powerpoint/2010/main" val="1001625066"/>
+      </p:ext>
+    </p:extLst>
+  </p:cSld>
+  <p:clrMapOvr>
+    <a:masterClrMapping/>
+  </p:clrMapOvr>
+</p:sld>
+</file>
+
+<file path=ppt/slides/slide18.xml><?xml version="1.0" encoding="utf-8"?>
+<p:sld xmlns:a="http://schemas.openxmlformats.org/drawingml/2006/main" xmlns:r="http://schemas.openxmlformats.org/officeDocument/2006/relationships" xmlns:p="http://schemas.openxmlformats.org/presentationml/2006/main">
+  <p:cSld>
+    <p:bg>
+      <p:bgPr>
+        <a:solidFill>
+          <a:schemeClr val="bg1"/>
+        </a:solidFill>
+        <a:effectLst/>
+      </p:bgPr>
+    </p:bg>
+    <p:spTree>
+      <p:nvGrpSpPr>
+        <p:cNvPr id="1" name=""/>
+        <p:cNvGrpSpPr/>
+        <p:nvPr/>
+      </p:nvGrpSpPr>
+      <p:grpSpPr>
+        <a:xfrm>
+          <a:off x="0" y="0"/>
+          <a:ext cx="0" cy="0"/>
+          <a:chOff x="0" y="0"/>
+          <a:chExt cx="0" cy="0"/>
+        </a:xfrm>
+      </p:grpSpPr>
+      <p:sp useBgFill="1">
+        <p:nvSpPr>
+          <p:cNvPr id="7" name="Rectangle 6">
+            <a:extLst>
+              <a:ext uri="{FF2B5EF4-FFF2-40B4-BE49-F238E27FC236}">
+                <a16:creationId xmlns:a16="http://schemas.microsoft.com/office/drawing/2014/main" id="{AB8C311F-7253-4AED-9701-7FC0708C41C7}"/>
+              </a:ext>
+              <a:ext uri="{C183D7F6-B498-43B3-948B-1728B52AA6E4}">
+                <adec:decorative xmlns:adec="http://schemas.microsoft.com/office/drawing/2017/decorative" val="1"/>
+              </a:ext>
+            </a:extLst>
+          </p:cNvPr>
+          <p:cNvSpPr>
+            <a:spLocks noGrp="1" noRot="1" noChangeAspect="1" noMove="1" noResize="1" noEditPoints="1" noAdjustHandles="1" noChangeArrowheads="1" noChangeShapeType="1" noTextEdit="1"/>
+          </p:cNvSpPr>
+          <p:nvPr>
+            <p:extLst>
+              <p:ext uri="{386F3935-93C4-4BCD-93E2-E3B085C9AB24}">
+                <p16:designElem xmlns:p16="http://schemas.microsoft.com/office/powerpoint/2015/main" val="1"/>
+              </p:ext>
+            </p:extLst>
+          </p:nvPr>
+        </p:nvSpPr>
+        <p:spPr>
+          <a:xfrm>
+            <a:off x="0" y="0"/>
+            <a:ext cx="12192000" cy="6858000"/>
+          </a:xfrm>
+          <a:prstGeom prst="rect">
+            <a:avLst/>
+          </a:prstGeom>
+          <a:ln w="12700" cap="flat" cmpd="sng" algn="ctr">
+            <a:noFill/>
+            <a:prstDash val="solid"/>
+            <a:miter lim="800000"/>
+          </a:ln>
+          <a:effectLst/>
+          <a:extLst>
+            <a:ext uri="{91240B29-F687-4F45-9708-019B960494DF}">
+              <a14:hiddenLine xmlns:a14="http://schemas.microsoft.com/office/drawing/2010/main" w="12700" cap="flat" cmpd="sng" algn="ctr">
+                <a:solidFill>
+                  <a:schemeClr val="accent1">
+                    <a:shade val="50000"/>
+                  </a:schemeClr>
+                </a:solidFill>
+                <a:prstDash val="solid"/>
+                <a:miter lim="800000"/>
+              </a14:hiddenLine>
+            </a:ext>
+          </a:extLst>
+        </p:spPr>
+        <p:style>
+          <a:lnRef idx="2">
+            <a:schemeClr val="accent1">
+              <a:shade val="50000"/>
+            </a:schemeClr>
+          </a:lnRef>
+          <a:fillRef idx="1">
+            <a:schemeClr val="accent1"/>
+          </a:fillRef>
+          <a:effectRef idx="0">
+            <a:schemeClr val="accent1"/>
+          </a:effectRef>
+          <a:fontRef idx="minor">
+            <a:schemeClr val="lt1"/>
+          </a:fontRef>
+        </p:style>
+        <p:txBody>
+          <a:bodyPr rtlCol="0" anchor="ctr"/>
+          <a:lstStyle/>
+          <a:p>
+            <a:pPr algn="ctr"/>
+            <a:endParaRPr lang="en-US"/>
+          </a:p>
+        </p:txBody>
+      </p:sp>
+      <p:sp>
+        <p:nvSpPr>
+          <p:cNvPr id="9" name="Rectangle 8">
+            <a:extLst>
+              <a:ext uri="{FF2B5EF4-FFF2-40B4-BE49-F238E27FC236}">
+                <a16:creationId xmlns:a16="http://schemas.microsoft.com/office/drawing/2014/main" id="{E2384209-CB15-4CDF-9D31-C44FD9A3F20D}"/>
+              </a:ext>
+              <a:ext uri="{C183D7F6-B498-43B3-948B-1728B52AA6E4}">
+                <adec:decorative xmlns:adec="http://schemas.microsoft.com/office/drawing/2017/decorative" val="1"/>
+              </a:ext>
+            </a:extLst>
+          </p:cNvPr>
+          <p:cNvSpPr>
+            <a:spLocks noGrp="1" noRot="1" noChangeAspect="1" noMove="1" noResize="1" noEditPoints="1" noAdjustHandles="1" noChangeArrowheads="1" noChangeShapeType="1" noTextEdit="1"/>
+          </p:cNvSpPr>
+          <p:nvPr>
+            <p:extLst>
+              <p:ext uri="{386F3935-93C4-4BCD-93E2-E3B085C9AB24}">
+                <p16:designElem xmlns:p16="http://schemas.microsoft.com/office/powerpoint/2015/main" val="1"/>
+              </p:ext>
+            </p:extLst>
+          </p:nvPr>
+        </p:nvSpPr>
+        <p:spPr>
+          <a:xfrm rot="16200000" flipH="1">
+            <a:off x="2666617" y="-2666188"/>
+            <a:ext cx="6858000" cy="12191233"/>
+          </a:xfrm>
+          <a:prstGeom prst="rect">
+            <a:avLst/>
+          </a:prstGeom>
+          <a:gradFill>
+            <a:gsLst>
+              <a:gs pos="8000">
+                <a:schemeClr val="accent1"/>
+              </a:gs>
+              <a:gs pos="100000">
+                <a:schemeClr val="accent1">
+                  <a:lumMod val="50000"/>
+                </a:schemeClr>
+              </a:gs>
+            </a:gsLst>
+            <a:lin ang="12000000" scaled="0"/>
+          </a:gradFill>
+          <a:ln>
+            <a:noFill/>
+          </a:ln>
+        </p:spPr>
+        <p:style>
+          <a:lnRef idx="2">
+            <a:schemeClr val="accent1">
+              <a:shade val="50000"/>
+            </a:schemeClr>
+          </a:lnRef>
+          <a:fillRef idx="1">
+            <a:schemeClr val="accent1"/>
+          </a:fillRef>
+          <a:effectRef idx="0">
+            <a:schemeClr val="accent1"/>
+          </a:effectRef>
+          <a:fontRef idx="minor">
+            <a:schemeClr val="lt1"/>
+          </a:fontRef>
+        </p:style>
+        <p:txBody>
+          <a:bodyPr rtlCol="0" anchor="ctr"/>
+          <a:lstStyle/>
+          <a:p>
+            <a:pPr algn="ctr"/>
+            <a:endParaRPr lang="en-US"/>
+          </a:p>
+        </p:txBody>
+      </p:sp>
+      <p:sp>
+        <p:nvSpPr>
+          <p:cNvPr id="11" name="Rectangle 10">
+            <a:extLst>
+              <a:ext uri="{FF2B5EF4-FFF2-40B4-BE49-F238E27FC236}">
+                <a16:creationId xmlns:a16="http://schemas.microsoft.com/office/drawing/2014/main" id="{2633B3B5-CC90-43F0-8714-D31D1F3F0209}"/>
+              </a:ext>
+              <a:ext uri="{C183D7F6-B498-43B3-948B-1728B52AA6E4}">
+                <adec:decorative xmlns:adec="http://schemas.microsoft.com/office/drawing/2017/decorative" val="1"/>
+              </a:ext>
+            </a:extLst>
+          </p:cNvPr>
+          <p:cNvSpPr>
+            <a:spLocks noGrp="1" noRot="1" noChangeAspect="1" noMove="1" noResize="1" noEditPoints="1" noAdjustHandles="1" noChangeArrowheads="1" noChangeShapeType="1" noTextEdit="1"/>
+          </p:cNvSpPr>
+          <p:nvPr>
+            <p:extLst>
+              <p:ext uri="{386F3935-93C4-4BCD-93E2-E3B085C9AB24}">
+                <p16:designElem xmlns:p16="http://schemas.microsoft.com/office/powerpoint/2015/main" val="1"/>
+              </p:ext>
+            </p:extLst>
+          </p:nvPr>
+        </p:nvSpPr>
+        <p:spPr>
+          <a:xfrm rot="10800000" flipH="1">
+            <a:off x="-2311" y="0"/>
+            <a:ext cx="9070846" cy="6857572"/>
+          </a:xfrm>
+          <a:prstGeom prst="rect">
+            <a:avLst/>
+          </a:prstGeom>
+          <a:gradFill>
+            <a:gsLst>
+              <a:gs pos="8000">
+                <a:srgbClr val="000000">
+                  <a:alpha val="52000"/>
+                </a:srgbClr>
+              </a:gs>
+              <a:gs pos="100000">
+                <a:schemeClr val="accent1"/>
+              </a:gs>
+            </a:gsLst>
+            <a:lin ang="4800000" scaled="0"/>
+          </a:gradFill>
+          <a:ln>
+            <a:noFill/>
+          </a:ln>
+        </p:spPr>
+        <p:style>
+          <a:lnRef idx="2">
+            <a:schemeClr val="accent1">
+              <a:shade val="50000"/>
+            </a:schemeClr>
+          </a:lnRef>
+          <a:fillRef idx="1">
+            <a:schemeClr val="accent1"/>
+          </a:fillRef>
+          <a:effectRef idx="0">
+            <a:schemeClr val="accent1"/>
+          </a:effectRef>
+          <a:fontRef idx="minor">
+            <a:schemeClr val="lt1"/>
+          </a:fontRef>
+        </p:style>
+        <p:txBody>
+          <a:bodyPr rtlCol="0" anchor="ctr"/>
+          <a:lstStyle/>
+          <a:p>
+            <a:pPr algn="ctr"/>
+            <a:endParaRPr lang="en-US"/>
+          </a:p>
+        </p:txBody>
+      </p:sp>
+      <p:sp>
+        <p:nvSpPr>
+          <p:cNvPr id="13" name="Rectangle 12">
+            <a:extLst>
+              <a:ext uri="{FF2B5EF4-FFF2-40B4-BE49-F238E27FC236}">
+                <a16:creationId xmlns:a16="http://schemas.microsoft.com/office/drawing/2014/main" id="{A8D57A06-A426-446D-B02C-A2DC6B62E45E}"/>
+              </a:ext>
+              <a:ext uri="{C183D7F6-B498-43B3-948B-1728B52AA6E4}">
+                <adec:decorative xmlns:adec="http://schemas.microsoft.com/office/drawing/2017/decorative" val="1"/>
+              </a:ext>
+            </a:extLst>
+          </p:cNvPr>
+          <p:cNvSpPr>
+            <a:spLocks noGrp="1" noRot="1" noChangeAspect="1" noMove="1" noResize="1" noEditPoints="1" noAdjustHandles="1" noChangeArrowheads="1" noChangeShapeType="1" noTextEdit="1"/>
+          </p:cNvSpPr>
+          <p:nvPr>
+            <p:extLst>
+              <p:ext uri="{386F3935-93C4-4BCD-93E2-E3B085C9AB24}">
+                <p16:designElem xmlns:p16="http://schemas.microsoft.com/office/powerpoint/2015/main" val="1"/>
+              </p:ext>
+            </p:extLst>
+          </p:nvPr>
+        </p:nvSpPr>
+        <p:spPr>
+          <a:xfrm rot="16200000" flipH="1">
+            <a:off x="3649491" y="-1685840"/>
+            <a:ext cx="4894564" cy="12193546"/>
+          </a:xfrm>
+          <a:prstGeom prst="rect">
+            <a:avLst/>
+          </a:prstGeom>
+          <a:gradFill>
+            <a:gsLst>
+              <a:gs pos="0">
+                <a:schemeClr val="accent5">
+                  <a:lumMod val="60000"/>
+                  <a:lumOff val="40000"/>
+                  <a:alpha val="0"/>
+                </a:schemeClr>
+              </a:gs>
+              <a:gs pos="100000">
+                <a:srgbClr val="000000">
+                  <a:alpha val="46000"/>
+                </a:srgbClr>
+              </a:gs>
+            </a:gsLst>
+            <a:lin ang="1200000" scaled="0"/>
+          </a:gradFill>
+          <a:ln>
+            <a:noFill/>
+          </a:ln>
+        </p:spPr>
+        <p:style>
+          <a:lnRef idx="2">
+            <a:schemeClr val="accent1">
+              <a:shade val="50000"/>
+            </a:schemeClr>
+          </a:lnRef>
+          <a:fillRef idx="1">
+            <a:schemeClr val="accent1"/>
+          </a:fillRef>
+          <a:effectRef idx="0">
+            <a:schemeClr val="accent1"/>
+          </a:effectRef>
+          <a:fontRef idx="minor">
+            <a:schemeClr val="lt1"/>
+          </a:fontRef>
+        </p:style>
+        <p:txBody>
+          <a:bodyPr rtlCol="0" anchor="ctr"/>
+          <a:lstStyle/>
+          <a:p>
+            <a:pPr algn="ctr"/>
+            <a:endParaRPr lang="en-US"/>
+          </a:p>
+        </p:txBody>
+      </p:sp>
+      <p:pic>
+        <p:nvPicPr>
+          <p:cNvPr id="2" name="Picture 1" descr="A screenshot of a computer&#10;&#10;Description automatically generated">
+            <a:extLst>
+              <a:ext uri="{FF2B5EF4-FFF2-40B4-BE49-F238E27FC236}">
+                <a16:creationId xmlns:a16="http://schemas.microsoft.com/office/drawing/2014/main" id="{1D58C810-4321-1669-E3BF-CC588E96002E}"/>
+              </a:ext>
+            </a:extLst>
+          </p:cNvPr>
+          <p:cNvPicPr>
+            <a:picLocks noChangeAspect="1"/>
+          </p:cNvPicPr>
+          <p:nvPr/>
+        </p:nvPicPr>
+        <p:blipFill>
+          <a:blip r:embed="rId2" cstate="print">
+            <a:extLst>
+              <a:ext uri="{28A0092B-C50C-407E-A947-70E740481C1C}">
+                <a14:useLocalDpi xmlns:a14="http://schemas.microsoft.com/office/drawing/2010/main" val="0"/>
+              </a:ext>
+            </a:extLst>
+          </a:blip>
+          <a:stretch>
+            <a:fillRect/>
+          </a:stretch>
+        </p:blipFill>
+        <p:spPr>
+          <a:xfrm>
+            <a:off x="1489622" y="0"/>
+            <a:ext cx="9579429" cy="6705600"/>
+          </a:xfrm>
+          <a:prstGeom prst="rect">
+            <a:avLst/>
+          </a:prstGeom>
+        </p:spPr>
+      </p:pic>
+    </p:spTree>
+    <p:extLst>
+      <p:ext uri="{BB962C8B-B14F-4D97-AF65-F5344CB8AC3E}">
+        <p14:creationId xmlns:p14="http://schemas.microsoft.com/office/powerpoint/2010/main" val="1266311585"/>
+      </p:ext>
+    </p:extLst>
+  </p:cSld>
+  <p:clrMapOvr>
+    <a:masterClrMapping/>
+  </p:clrMapOvr>
+</p:sld>
+</file>
+
+<file path=ppt/slides/slide19.xml><?xml version="1.0" encoding="utf-8"?>
+<p:sld xmlns:a="http://schemas.openxmlformats.org/drawingml/2006/main" xmlns:r="http://schemas.openxmlformats.org/officeDocument/2006/relationships" xmlns:p="http://schemas.openxmlformats.org/presentationml/2006/main">
+  <p:cSld>
+    <p:bg>
+      <p:bgPr>
+        <a:solidFill>
+          <a:schemeClr val="bg1"/>
+        </a:solidFill>
+        <a:effectLst/>
+      </p:bgPr>
+    </p:bg>
+    <p:spTree>
+      <p:nvGrpSpPr>
+        <p:cNvPr id="1" name=""/>
+        <p:cNvGrpSpPr/>
+        <p:nvPr/>
+      </p:nvGrpSpPr>
+      <p:grpSpPr>
+        <a:xfrm>
+          <a:off x="0" y="0"/>
+          <a:ext cx="0" cy="0"/>
+          <a:chOff x="0" y="0"/>
+          <a:chExt cx="0" cy="0"/>
+        </a:xfrm>
+      </p:grpSpPr>
+      <p:sp useBgFill="1">
+        <p:nvSpPr>
+          <p:cNvPr id="7" name="Rectangle 6">
+            <a:extLst>
+              <a:ext uri="{FF2B5EF4-FFF2-40B4-BE49-F238E27FC236}">
+                <a16:creationId xmlns:a16="http://schemas.microsoft.com/office/drawing/2014/main" id="{AB8C311F-7253-4AED-9701-7FC0708C41C7}"/>
+              </a:ext>
+              <a:ext uri="{C183D7F6-B498-43B3-948B-1728B52AA6E4}">
+                <adec:decorative xmlns:adec="http://schemas.microsoft.com/office/drawing/2017/decorative" val="1"/>
+              </a:ext>
+            </a:extLst>
+          </p:cNvPr>
+          <p:cNvSpPr>
+            <a:spLocks noGrp="1" noRot="1" noChangeAspect="1" noMove="1" noResize="1" noEditPoints="1" noAdjustHandles="1" noChangeArrowheads="1" noChangeShapeType="1" noTextEdit="1"/>
+          </p:cNvSpPr>
+          <p:nvPr>
+            <p:extLst>
+              <p:ext uri="{386F3935-93C4-4BCD-93E2-E3B085C9AB24}">
+                <p16:designElem xmlns:p16="http://schemas.microsoft.com/office/powerpoint/2015/main" val="1"/>
+              </p:ext>
+            </p:extLst>
+          </p:nvPr>
+        </p:nvSpPr>
+        <p:spPr>
+          <a:xfrm>
+            <a:off x="0" y="0"/>
+            <a:ext cx="12192000" cy="6858000"/>
+          </a:xfrm>
+          <a:prstGeom prst="rect">
+            <a:avLst/>
+          </a:prstGeom>
+          <a:ln w="12700" cap="flat" cmpd="sng" algn="ctr">
+            <a:noFill/>
+            <a:prstDash val="solid"/>
+            <a:miter lim="800000"/>
+          </a:ln>
+          <a:effectLst/>
+          <a:extLst>
+            <a:ext uri="{91240B29-F687-4F45-9708-019B960494DF}">
+              <a14:hiddenLine xmlns:a14="http://schemas.microsoft.com/office/drawing/2010/main" w="12700" cap="flat" cmpd="sng" algn="ctr">
+                <a:solidFill>
+                  <a:schemeClr val="accent1">
+                    <a:shade val="50000"/>
+                  </a:schemeClr>
+                </a:solidFill>
+                <a:prstDash val="solid"/>
+                <a:miter lim="800000"/>
+              </a14:hiddenLine>
+            </a:ext>
+          </a:extLst>
+        </p:spPr>
+        <p:style>
+          <a:lnRef idx="2">
+            <a:schemeClr val="accent1">
+              <a:shade val="50000"/>
+            </a:schemeClr>
+          </a:lnRef>
+          <a:fillRef idx="1">
+            <a:schemeClr val="accent1"/>
+          </a:fillRef>
+          <a:effectRef idx="0">
+            <a:schemeClr val="accent1"/>
+          </a:effectRef>
+          <a:fontRef idx="minor">
+            <a:schemeClr val="lt1"/>
+          </a:fontRef>
+        </p:style>
+        <p:txBody>
+          <a:bodyPr rtlCol="0" anchor="ctr"/>
+          <a:lstStyle/>
+          <a:p>
+            <a:pPr algn="ctr"/>
+            <a:endParaRPr lang="en-US"/>
+          </a:p>
+        </p:txBody>
+      </p:sp>
+      <p:sp>
+        <p:nvSpPr>
+          <p:cNvPr id="9" name="Rectangle 8">
+            <a:extLst>
+              <a:ext uri="{FF2B5EF4-FFF2-40B4-BE49-F238E27FC236}">
+                <a16:creationId xmlns:a16="http://schemas.microsoft.com/office/drawing/2014/main" id="{E2384209-CB15-4CDF-9D31-C44FD9A3F20D}"/>
+              </a:ext>
+              <a:ext uri="{C183D7F6-B498-43B3-948B-1728B52AA6E4}">
+                <adec:decorative xmlns:adec="http://schemas.microsoft.com/office/drawing/2017/decorative" val="1"/>
+              </a:ext>
+            </a:extLst>
+          </p:cNvPr>
+          <p:cNvSpPr>
+            <a:spLocks noGrp="1" noRot="1" noChangeAspect="1" noMove="1" noResize="1" noEditPoints="1" noAdjustHandles="1" noChangeArrowheads="1" noChangeShapeType="1" noTextEdit="1"/>
+          </p:cNvSpPr>
+          <p:nvPr>
+            <p:extLst>
+              <p:ext uri="{386F3935-93C4-4BCD-93E2-E3B085C9AB24}">
+                <p16:designElem xmlns:p16="http://schemas.microsoft.com/office/powerpoint/2015/main" val="1"/>
+              </p:ext>
+            </p:extLst>
+          </p:nvPr>
+        </p:nvSpPr>
+        <p:spPr>
+          <a:xfrm rot="16200000" flipH="1">
+            <a:off x="2666617" y="-2666188"/>
+            <a:ext cx="6858000" cy="12191233"/>
+          </a:xfrm>
+          <a:prstGeom prst="rect">
+            <a:avLst/>
+          </a:prstGeom>
+          <a:gradFill>
+            <a:gsLst>
+              <a:gs pos="8000">
+                <a:schemeClr val="accent1"/>
+              </a:gs>
+              <a:gs pos="100000">
+                <a:schemeClr val="accent1">
+                  <a:lumMod val="50000"/>
+                </a:schemeClr>
+              </a:gs>
+            </a:gsLst>
+            <a:lin ang="12000000" scaled="0"/>
+          </a:gradFill>
+          <a:ln>
+            <a:noFill/>
+          </a:ln>
+        </p:spPr>
+        <p:style>
+          <a:lnRef idx="2">
+            <a:schemeClr val="accent1">
+              <a:shade val="50000"/>
+            </a:schemeClr>
+          </a:lnRef>
+          <a:fillRef idx="1">
+            <a:schemeClr val="accent1"/>
+          </a:fillRef>
+          <a:effectRef idx="0">
+            <a:schemeClr val="accent1"/>
+          </a:effectRef>
+          <a:fontRef idx="minor">
+            <a:schemeClr val="lt1"/>
+          </a:fontRef>
+        </p:style>
+        <p:txBody>
+          <a:bodyPr rtlCol="0" anchor="ctr"/>
+          <a:lstStyle/>
+          <a:p>
+            <a:pPr algn="ctr"/>
+            <a:endParaRPr lang="en-US"/>
+          </a:p>
+        </p:txBody>
+      </p:sp>
+      <p:sp>
+        <p:nvSpPr>
+          <p:cNvPr id="11" name="Rectangle 10">
+            <a:extLst>
+              <a:ext uri="{FF2B5EF4-FFF2-40B4-BE49-F238E27FC236}">
+                <a16:creationId xmlns:a16="http://schemas.microsoft.com/office/drawing/2014/main" id="{2633B3B5-CC90-43F0-8714-D31D1F3F0209}"/>
+              </a:ext>
+              <a:ext uri="{C183D7F6-B498-43B3-948B-1728B52AA6E4}">
+                <adec:decorative xmlns:adec="http://schemas.microsoft.com/office/drawing/2017/decorative" val="1"/>
+              </a:ext>
+            </a:extLst>
+          </p:cNvPr>
+          <p:cNvSpPr>
+            <a:spLocks noGrp="1" noRot="1" noChangeAspect="1" noMove="1" noResize="1" noEditPoints="1" noAdjustHandles="1" noChangeArrowheads="1" noChangeShapeType="1" noTextEdit="1"/>
+          </p:cNvSpPr>
+          <p:nvPr>
+            <p:extLst>
+              <p:ext uri="{386F3935-93C4-4BCD-93E2-E3B085C9AB24}">
+                <p16:designElem xmlns:p16="http://schemas.microsoft.com/office/powerpoint/2015/main" val="1"/>
+              </p:ext>
+            </p:extLst>
+          </p:nvPr>
+        </p:nvSpPr>
+        <p:spPr>
+          <a:xfrm rot="10800000" flipH="1">
+            <a:off x="-2311" y="0"/>
+            <a:ext cx="9070846" cy="6857572"/>
+          </a:xfrm>
+          <a:prstGeom prst="rect">
+            <a:avLst/>
+          </a:prstGeom>
+          <a:gradFill>
+            <a:gsLst>
+              <a:gs pos="8000">
+                <a:srgbClr val="000000">
+                  <a:alpha val="52000"/>
+                </a:srgbClr>
+              </a:gs>
+              <a:gs pos="100000">
+                <a:schemeClr val="accent1"/>
+              </a:gs>
+            </a:gsLst>
+            <a:lin ang="4800000" scaled="0"/>
+          </a:gradFill>
+          <a:ln>
+            <a:noFill/>
+          </a:ln>
+        </p:spPr>
+        <p:style>
+          <a:lnRef idx="2">
+            <a:schemeClr val="accent1">
+              <a:shade val="50000"/>
+            </a:schemeClr>
+          </a:lnRef>
+          <a:fillRef idx="1">
+            <a:schemeClr val="accent1"/>
+          </a:fillRef>
+          <a:effectRef idx="0">
+            <a:schemeClr val="accent1"/>
+          </a:effectRef>
+          <a:fontRef idx="minor">
+            <a:schemeClr val="lt1"/>
+          </a:fontRef>
+        </p:style>
+        <p:txBody>
+          <a:bodyPr rtlCol="0" anchor="ctr"/>
+          <a:lstStyle/>
+          <a:p>
+            <a:pPr algn="ctr"/>
+            <a:endParaRPr lang="en-US"/>
+          </a:p>
+        </p:txBody>
+      </p:sp>
+      <p:sp>
+        <p:nvSpPr>
+          <p:cNvPr id="13" name="Rectangle 12">
+            <a:extLst>
+              <a:ext uri="{FF2B5EF4-FFF2-40B4-BE49-F238E27FC236}">
+                <a16:creationId xmlns:a16="http://schemas.microsoft.com/office/drawing/2014/main" id="{A8D57A06-A426-446D-B02C-A2DC6B62E45E}"/>
+              </a:ext>
+              <a:ext uri="{C183D7F6-B498-43B3-948B-1728B52AA6E4}">
+                <adec:decorative xmlns:adec="http://schemas.microsoft.com/office/drawing/2017/decorative" val="1"/>
+              </a:ext>
+            </a:extLst>
+          </p:cNvPr>
+          <p:cNvSpPr>
+            <a:spLocks noGrp="1" noRot="1" noChangeAspect="1" noMove="1" noResize="1" noEditPoints="1" noAdjustHandles="1" noChangeArrowheads="1" noChangeShapeType="1" noTextEdit="1"/>
+          </p:cNvSpPr>
+          <p:nvPr>
+            <p:extLst>
+              <p:ext uri="{386F3935-93C4-4BCD-93E2-E3B085C9AB24}">
+                <p16:designElem xmlns:p16="http://schemas.microsoft.com/office/powerpoint/2015/main" val="1"/>
+              </p:ext>
+            </p:extLst>
+          </p:nvPr>
+        </p:nvSpPr>
+        <p:spPr>
+          <a:xfrm rot="16200000" flipH="1">
+            <a:off x="3649491" y="-1685840"/>
+            <a:ext cx="4894564" cy="12193546"/>
+          </a:xfrm>
+          <a:prstGeom prst="rect">
+            <a:avLst/>
+          </a:prstGeom>
+          <a:gradFill>
+            <a:gsLst>
+              <a:gs pos="0">
+                <a:schemeClr val="accent5">
+                  <a:lumMod val="60000"/>
+                  <a:lumOff val="40000"/>
+                  <a:alpha val="0"/>
+                </a:schemeClr>
+              </a:gs>
+              <a:gs pos="100000">
+                <a:srgbClr val="000000">
+                  <a:alpha val="46000"/>
+                </a:srgbClr>
+              </a:gs>
+            </a:gsLst>
+            <a:lin ang="1200000" scaled="0"/>
+          </a:gradFill>
+          <a:ln>
+            <a:noFill/>
+          </a:ln>
+        </p:spPr>
+        <p:style>
+          <a:lnRef idx="2">
+            <a:schemeClr val="accent1">
+              <a:shade val="50000"/>
+            </a:schemeClr>
+          </a:lnRef>
+          <a:fillRef idx="1">
+            <a:schemeClr val="accent1"/>
+          </a:fillRef>
+          <a:effectRef idx="0">
+            <a:schemeClr val="accent1"/>
+          </a:effectRef>
+          <a:fontRef idx="minor">
+            <a:schemeClr val="lt1"/>
+          </a:fontRef>
+        </p:style>
+        <p:txBody>
+          <a:bodyPr rtlCol="0" anchor="ctr"/>
+          <a:lstStyle/>
+          <a:p>
+            <a:pPr algn="ctr"/>
+            <a:endParaRPr lang="en-US"/>
+          </a:p>
+        </p:txBody>
+      </p:sp>
+      <p:pic>
+        <p:nvPicPr>
+          <p:cNvPr id="2" name="Picture 1" descr="A screenshot of a computer&#10;&#10;Description automatically generated">
+            <a:extLst>
+              <a:ext uri="{FF2B5EF4-FFF2-40B4-BE49-F238E27FC236}">
+                <a16:creationId xmlns:a16="http://schemas.microsoft.com/office/drawing/2014/main" id="{58E4E421-A661-72BE-41B5-DE1977570579}"/>
+              </a:ext>
+            </a:extLst>
+          </p:cNvPr>
+          <p:cNvPicPr>
+            <a:picLocks noChangeAspect="1"/>
+          </p:cNvPicPr>
+          <p:nvPr/>
+        </p:nvPicPr>
+        <p:blipFill>
+          <a:blip r:embed="rId2" cstate="print">
+            <a:extLst>
+              <a:ext uri="{28A0092B-C50C-407E-A947-70E740481C1C}">
+                <a14:useLocalDpi xmlns:a14="http://schemas.microsoft.com/office/drawing/2010/main" val="0"/>
+              </a:ext>
+            </a:extLst>
+          </a:blip>
+          <a:stretch>
+            <a:fillRect/>
+          </a:stretch>
+        </p:blipFill>
+        <p:spPr>
+          <a:xfrm>
+            <a:off x="1850571" y="457200"/>
+            <a:ext cx="8490858" cy="5943600"/>
+          </a:xfrm>
+          <a:prstGeom prst="rect">
+            <a:avLst/>
+          </a:prstGeom>
+        </p:spPr>
+      </p:pic>
+    </p:spTree>
+    <p:extLst>
+      <p:ext uri="{BB962C8B-B14F-4D97-AF65-F5344CB8AC3E}">
+        <p14:creationId xmlns:p14="http://schemas.microsoft.com/office/powerpoint/2010/main" val="2344559207"/>
+      </p:ext>
+    </p:extLst>
+  </p:cSld>
+  <p:clrMapOvr>
+    <a:masterClrMapping/>
+  </p:clrMapOvr>
+</p:sld>
+</file>
+
 <file path=ppt/slides/slide2.xml><?xml version="1.0" encoding="utf-8"?>
 <p:sld xmlns:a="http://schemas.openxmlformats.org/drawingml/2006/main" xmlns:r="http://schemas.openxmlformats.org/officeDocument/2006/relationships" xmlns:p="http://schemas.openxmlformats.org/presentationml/2006/main">
   <p:cSld>
@@ -15815,6 +16640,3736 @@
     <p:extLst>
       <p:ext uri="{BB962C8B-B14F-4D97-AF65-F5344CB8AC3E}">
         <p14:creationId xmlns:p14="http://schemas.microsoft.com/office/powerpoint/2010/main" val="3352689391"/>
+      </p:ext>
+    </p:extLst>
+  </p:cSld>
+  <p:clrMapOvr>
+    <a:masterClrMapping/>
+  </p:clrMapOvr>
+</p:sld>
+</file>
+
+<file path=ppt/slides/slide20.xml><?xml version="1.0" encoding="utf-8"?>
+<p:sld xmlns:a="http://schemas.openxmlformats.org/drawingml/2006/main" xmlns:r="http://schemas.openxmlformats.org/officeDocument/2006/relationships" xmlns:p="http://schemas.openxmlformats.org/presentationml/2006/main">
+  <p:cSld>
+    <p:bg>
+      <p:bgPr>
+        <a:solidFill>
+          <a:schemeClr val="bg1"/>
+        </a:solidFill>
+        <a:effectLst/>
+      </p:bgPr>
+    </p:bg>
+    <p:spTree>
+      <p:nvGrpSpPr>
+        <p:cNvPr id="1" name=""/>
+        <p:cNvGrpSpPr/>
+        <p:nvPr/>
+      </p:nvGrpSpPr>
+      <p:grpSpPr>
+        <a:xfrm>
+          <a:off x="0" y="0"/>
+          <a:ext cx="0" cy="0"/>
+          <a:chOff x="0" y="0"/>
+          <a:chExt cx="0" cy="0"/>
+        </a:xfrm>
+      </p:grpSpPr>
+      <p:sp useBgFill="1">
+        <p:nvSpPr>
+          <p:cNvPr id="7" name="Rectangle 6">
+            <a:extLst>
+              <a:ext uri="{FF2B5EF4-FFF2-40B4-BE49-F238E27FC236}">
+                <a16:creationId xmlns:a16="http://schemas.microsoft.com/office/drawing/2014/main" id="{AB8C311F-7253-4AED-9701-7FC0708C41C7}"/>
+              </a:ext>
+              <a:ext uri="{C183D7F6-B498-43B3-948B-1728B52AA6E4}">
+                <adec:decorative xmlns:adec="http://schemas.microsoft.com/office/drawing/2017/decorative" val="1"/>
+              </a:ext>
+            </a:extLst>
+          </p:cNvPr>
+          <p:cNvSpPr>
+            <a:spLocks noGrp="1" noRot="1" noChangeAspect="1" noMove="1" noResize="1" noEditPoints="1" noAdjustHandles="1" noChangeArrowheads="1" noChangeShapeType="1" noTextEdit="1"/>
+          </p:cNvSpPr>
+          <p:nvPr>
+            <p:extLst>
+              <p:ext uri="{386F3935-93C4-4BCD-93E2-E3B085C9AB24}">
+                <p16:designElem xmlns:p16="http://schemas.microsoft.com/office/powerpoint/2015/main" val="1"/>
+              </p:ext>
+            </p:extLst>
+          </p:nvPr>
+        </p:nvSpPr>
+        <p:spPr>
+          <a:xfrm>
+            <a:off x="0" y="0"/>
+            <a:ext cx="12192000" cy="6858000"/>
+          </a:xfrm>
+          <a:prstGeom prst="rect">
+            <a:avLst/>
+          </a:prstGeom>
+          <a:ln w="12700" cap="flat" cmpd="sng" algn="ctr">
+            <a:noFill/>
+            <a:prstDash val="solid"/>
+            <a:miter lim="800000"/>
+          </a:ln>
+          <a:effectLst/>
+          <a:extLst>
+            <a:ext uri="{91240B29-F687-4F45-9708-019B960494DF}">
+              <a14:hiddenLine xmlns:a14="http://schemas.microsoft.com/office/drawing/2010/main" w="12700" cap="flat" cmpd="sng" algn="ctr">
+                <a:solidFill>
+                  <a:schemeClr val="accent1">
+                    <a:shade val="50000"/>
+                  </a:schemeClr>
+                </a:solidFill>
+                <a:prstDash val="solid"/>
+                <a:miter lim="800000"/>
+              </a14:hiddenLine>
+            </a:ext>
+          </a:extLst>
+        </p:spPr>
+        <p:style>
+          <a:lnRef idx="2">
+            <a:schemeClr val="accent1">
+              <a:shade val="50000"/>
+            </a:schemeClr>
+          </a:lnRef>
+          <a:fillRef idx="1">
+            <a:schemeClr val="accent1"/>
+          </a:fillRef>
+          <a:effectRef idx="0">
+            <a:schemeClr val="accent1"/>
+          </a:effectRef>
+          <a:fontRef idx="minor">
+            <a:schemeClr val="lt1"/>
+          </a:fontRef>
+        </p:style>
+        <p:txBody>
+          <a:bodyPr rtlCol="0" anchor="ctr"/>
+          <a:lstStyle/>
+          <a:p>
+            <a:pPr algn="ctr"/>
+            <a:endParaRPr lang="en-US"/>
+          </a:p>
+        </p:txBody>
+      </p:sp>
+      <p:sp>
+        <p:nvSpPr>
+          <p:cNvPr id="9" name="Rectangle 8">
+            <a:extLst>
+              <a:ext uri="{FF2B5EF4-FFF2-40B4-BE49-F238E27FC236}">
+                <a16:creationId xmlns:a16="http://schemas.microsoft.com/office/drawing/2014/main" id="{E2384209-CB15-4CDF-9D31-C44FD9A3F20D}"/>
+              </a:ext>
+              <a:ext uri="{C183D7F6-B498-43B3-948B-1728B52AA6E4}">
+                <adec:decorative xmlns:adec="http://schemas.microsoft.com/office/drawing/2017/decorative" val="1"/>
+              </a:ext>
+            </a:extLst>
+          </p:cNvPr>
+          <p:cNvSpPr>
+            <a:spLocks noGrp="1" noRot="1" noChangeAspect="1" noMove="1" noResize="1" noEditPoints="1" noAdjustHandles="1" noChangeArrowheads="1" noChangeShapeType="1" noTextEdit="1"/>
+          </p:cNvSpPr>
+          <p:nvPr>
+            <p:extLst>
+              <p:ext uri="{386F3935-93C4-4BCD-93E2-E3B085C9AB24}">
+                <p16:designElem xmlns:p16="http://schemas.microsoft.com/office/powerpoint/2015/main" val="1"/>
+              </p:ext>
+            </p:extLst>
+          </p:nvPr>
+        </p:nvSpPr>
+        <p:spPr>
+          <a:xfrm rot="16200000" flipH="1">
+            <a:off x="2666617" y="-2666188"/>
+            <a:ext cx="6858000" cy="12191233"/>
+          </a:xfrm>
+          <a:prstGeom prst="rect">
+            <a:avLst/>
+          </a:prstGeom>
+          <a:gradFill>
+            <a:gsLst>
+              <a:gs pos="8000">
+                <a:schemeClr val="accent1"/>
+              </a:gs>
+              <a:gs pos="100000">
+                <a:schemeClr val="accent1">
+                  <a:lumMod val="50000"/>
+                </a:schemeClr>
+              </a:gs>
+            </a:gsLst>
+            <a:lin ang="12000000" scaled="0"/>
+          </a:gradFill>
+          <a:ln>
+            <a:noFill/>
+          </a:ln>
+        </p:spPr>
+        <p:style>
+          <a:lnRef idx="2">
+            <a:schemeClr val="accent1">
+              <a:shade val="50000"/>
+            </a:schemeClr>
+          </a:lnRef>
+          <a:fillRef idx="1">
+            <a:schemeClr val="accent1"/>
+          </a:fillRef>
+          <a:effectRef idx="0">
+            <a:schemeClr val="accent1"/>
+          </a:effectRef>
+          <a:fontRef idx="minor">
+            <a:schemeClr val="lt1"/>
+          </a:fontRef>
+        </p:style>
+        <p:txBody>
+          <a:bodyPr rtlCol="0" anchor="ctr"/>
+          <a:lstStyle/>
+          <a:p>
+            <a:pPr algn="ctr"/>
+            <a:endParaRPr lang="en-US"/>
+          </a:p>
+        </p:txBody>
+      </p:sp>
+      <p:sp>
+        <p:nvSpPr>
+          <p:cNvPr id="11" name="Rectangle 10">
+            <a:extLst>
+              <a:ext uri="{FF2B5EF4-FFF2-40B4-BE49-F238E27FC236}">
+                <a16:creationId xmlns:a16="http://schemas.microsoft.com/office/drawing/2014/main" id="{2633B3B5-CC90-43F0-8714-D31D1F3F0209}"/>
+              </a:ext>
+              <a:ext uri="{C183D7F6-B498-43B3-948B-1728B52AA6E4}">
+                <adec:decorative xmlns:adec="http://schemas.microsoft.com/office/drawing/2017/decorative" val="1"/>
+              </a:ext>
+            </a:extLst>
+          </p:cNvPr>
+          <p:cNvSpPr>
+            <a:spLocks noGrp="1" noRot="1" noChangeAspect="1" noMove="1" noResize="1" noEditPoints="1" noAdjustHandles="1" noChangeArrowheads="1" noChangeShapeType="1" noTextEdit="1"/>
+          </p:cNvSpPr>
+          <p:nvPr>
+            <p:extLst>
+              <p:ext uri="{386F3935-93C4-4BCD-93E2-E3B085C9AB24}">
+                <p16:designElem xmlns:p16="http://schemas.microsoft.com/office/powerpoint/2015/main" val="1"/>
+              </p:ext>
+            </p:extLst>
+          </p:nvPr>
+        </p:nvSpPr>
+        <p:spPr>
+          <a:xfrm rot="10800000" flipH="1">
+            <a:off x="-2311" y="0"/>
+            <a:ext cx="9070846" cy="6857572"/>
+          </a:xfrm>
+          <a:prstGeom prst="rect">
+            <a:avLst/>
+          </a:prstGeom>
+          <a:gradFill>
+            <a:gsLst>
+              <a:gs pos="8000">
+                <a:srgbClr val="000000">
+                  <a:alpha val="52000"/>
+                </a:srgbClr>
+              </a:gs>
+              <a:gs pos="100000">
+                <a:schemeClr val="accent1"/>
+              </a:gs>
+            </a:gsLst>
+            <a:lin ang="4800000" scaled="0"/>
+          </a:gradFill>
+          <a:ln>
+            <a:noFill/>
+          </a:ln>
+        </p:spPr>
+        <p:style>
+          <a:lnRef idx="2">
+            <a:schemeClr val="accent1">
+              <a:shade val="50000"/>
+            </a:schemeClr>
+          </a:lnRef>
+          <a:fillRef idx="1">
+            <a:schemeClr val="accent1"/>
+          </a:fillRef>
+          <a:effectRef idx="0">
+            <a:schemeClr val="accent1"/>
+          </a:effectRef>
+          <a:fontRef idx="minor">
+            <a:schemeClr val="lt1"/>
+          </a:fontRef>
+        </p:style>
+        <p:txBody>
+          <a:bodyPr rtlCol="0" anchor="ctr"/>
+          <a:lstStyle/>
+          <a:p>
+            <a:pPr algn="ctr"/>
+            <a:endParaRPr lang="en-US"/>
+          </a:p>
+        </p:txBody>
+      </p:sp>
+      <p:sp>
+        <p:nvSpPr>
+          <p:cNvPr id="13" name="Rectangle 12">
+            <a:extLst>
+              <a:ext uri="{FF2B5EF4-FFF2-40B4-BE49-F238E27FC236}">
+                <a16:creationId xmlns:a16="http://schemas.microsoft.com/office/drawing/2014/main" id="{A8D57A06-A426-446D-B02C-A2DC6B62E45E}"/>
+              </a:ext>
+              <a:ext uri="{C183D7F6-B498-43B3-948B-1728B52AA6E4}">
+                <adec:decorative xmlns:adec="http://schemas.microsoft.com/office/drawing/2017/decorative" val="1"/>
+              </a:ext>
+            </a:extLst>
+          </p:cNvPr>
+          <p:cNvSpPr>
+            <a:spLocks noGrp="1" noRot="1" noChangeAspect="1" noMove="1" noResize="1" noEditPoints="1" noAdjustHandles="1" noChangeArrowheads="1" noChangeShapeType="1" noTextEdit="1"/>
+          </p:cNvSpPr>
+          <p:nvPr>
+            <p:extLst>
+              <p:ext uri="{386F3935-93C4-4BCD-93E2-E3B085C9AB24}">
+                <p16:designElem xmlns:p16="http://schemas.microsoft.com/office/powerpoint/2015/main" val="1"/>
+              </p:ext>
+            </p:extLst>
+          </p:nvPr>
+        </p:nvSpPr>
+        <p:spPr>
+          <a:xfrm rot="16200000" flipH="1">
+            <a:off x="3649491" y="-1685840"/>
+            <a:ext cx="4894564" cy="12193546"/>
+          </a:xfrm>
+          <a:prstGeom prst="rect">
+            <a:avLst/>
+          </a:prstGeom>
+          <a:gradFill>
+            <a:gsLst>
+              <a:gs pos="0">
+                <a:schemeClr val="accent5">
+                  <a:lumMod val="60000"/>
+                  <a:lumOff val="40000"/>
+                  <a:alpha val="0"/>
+                </a:schemeClr>
+              </a:gs>
+              <a:gs pos="100000">
+                <a:srgbClr val="000000">
+                  <a:alpha val="46000"/>
+                </a:srgbClr>
+              </a:gs>
+            </a:gsLst>
+            <a:lin ang="1200000" scaled="0"/>
+          </a:gradFill>
+          <a:ln>
+            <a:noFill/>
+          </a:ln>
+        </p:spPr>
+        <p:style>
+          <a:lnRef idx="2">
+            <a:schemeClr val="accent1">
+              <a:shade val="50000"/>
+            </a:schemeClr>
+          </a:lnRef>
+          <a:fillRef idx="1">
+            <a:schemeClr val="accent1"/>
+          </a:fillRef>
+          <a:effectRef idx="0">
+            <a:schemeClr val="accent1"/>
+          </a:effectRef>
+          <a:fontRef idx="minor">
+            <a:schemeClr val="lt1"/>
+          </a:fontRef>
+        </p:style>
+        <p:txBody>
+          <a:bodyPr rtlCol="0" anchor="ctr"/>
+          <a:lstStyle/>
+          <a:p>
+            <a:pPr algn="ctr"/>
+            <a:endParaRPr lang="en-US"/>
+          </a:p>
+        </p:txBody>
+      </p:sp>
+      <p:pic>
+        <p:nvPicPr>
+          <p:cNvPr id="2" name="Picture 1" descr="A screenshot of a graph&#10;&#10;Description automatically generated">
+            <a:extLst>
+              <a:ext uri="{FF2B5EF4-FFF2-40B4-BE49-F238E27FC236}">
+                <a16:creationId xmlns:a16="http://schemas.microsoft.com/office/drawing/2014/main" id="{0660B534-EB23-3011-DE40-95249725C111}"/>
+              </a:ext>
+            </a:extLst>
+          </p:cNvPr>
+          <p:cNvPicPr>
+            <a:picLocks noChangeAspect="1"/>
+          </p:cNvPicPr>
+          <p:nvPr/>
+        </p:nvPicPr>
+        <p:blipFill>
+          <a:blip r:embed="rId2" cstate="print">
+            <a:extLst>
+              <a:ext uri="{28A0092B-C50C-407E-A947-70E740481C1C}">
+                <a14:useLocalDpi xmlns:a14="http://schemas.microsoft.com/office/drawing/2010/main" val="0"/>
+              </a:ext>
+            </a:extLst>
+          </a:blip>
+          <a:stretch>
+            <a:fillRect/>
+          </a:stretch>
+        </p:blipFill>
+        <p:spPr>
+          <a:xfrm>
+            <a:off x="1850571" y="457200"/>
+            <a:ext cx="8490858" cy="5943600"/>
+          </a:xfrm>
+          <a:prstGeom prst="rect">
+            <a:avLst/>
+          </a:prstGeom>
+        </p:spPr>
+      </p:pic>
+    </p:spTree>
+    <p:extLst>
+      <p:ext uri="{BB962C8B-B14F-4D97-AF65-F5344CB8AC3E}">
+        <p14:creationId xmlns:p14="http://schemas.microsoft.com/office/powerpoint/2010/main" val="3435701768"/>
+      </p:ext>
+    </p:extLst>
+  </p:cSld>
+  <p:clrMapOvr>
+    <a:masterClrMapping/>
+  </p:clrMapOvr>
+</p:sld>
+</file>
+
+<file path=ppt/slides/slide21.xml><?xml version="1.0" encoding="utf-8"?>
+<p:sld xmlns:a="http://schemas.openxmlformats.org/drawingml/2006/main" xmlns:r="http://schemas.openxmlformats.org/officeDocument/2006/relationships" xmlns:p="http://schemas.openxmlformats.org/presentationml/2006/main">
+  <p:cSld>
+    <p:bg>
+      <p:bgPr>
+        <a:solidFill>
+          <a:schemeClr val="bg1"/>
+        </a:solidFill>
+        <a:effectLst/>
+      </p:bgPr>
+    </p:bg>
+    <p:spTree>
+      <p:nvGrpSpPr>
+        <p:cNvPr id="1" name=""/>
+        <p:cNvGrpSpPr/>
+        <p:nvPr/>
+      </p:nvGrpSpPr>
+      <p:grpSpPr>
+        <a:xfrm>
+          <a:off x="0" y="0"/>
+          <a:ext cx="0" cy="0"/>
+          <a:chOff x="0" y="0"/>
+          <a:chExt cx="0" cy="0"/>
+        </a:xfrm>
+      </p:grpSpPr>
+      <p:sp useBgFill="1">
+        <p:nvSpPr>
+          <p:cNvPr id="7" name="Rectangle 6">
+            <a:extLst>
+              <a:ext uri="{FF2B5EF4-FFF2-40B4-BE49-F238E27FC236}">
+                <a16:creationId xmlns:a16="http://schemas.microsoft.com/office/drawing/2014/main" id="{AB8C311F-7253-4AED-9701-7FC0708C41C7}"/>
+              </a:ext>
+              <a:ext uri="{C183D7F6-B498-43B3-948B-1728B52AA6E4}">
+                <adec:decorative xmlns:adec="http://schemas.microsoft.com/office/drawing/2017/decorative" val="1"/>
+              </a:ext>
+            </a:extLst>
+          </p:cNvPr>
+          <p:cNvSpPr>
+            <a:spLocks noGrp="1" noRot="1" noChangeAspect="1" noMove="1" noResize="1" noEditPoints="1" noAdjustHandles="1" noChangeArrowheads="1" noChangeShapeType="1" noTextEdit="1"/>
+          </p:cNvSpPr>
+          <p:nvPr>
+            <p:extLst>
+              <p:ext uri="{386F3935-93C4-4BCD-93E2-E3B085C9AB24}">
+                <p16:designElem xmlns:p16="http://schemas.microsoft.com/office/powerpoint/2015/main" val="1"/>
+              </p:ext>
+            </p:extLst>
+          </p:nvPr>
+        </p:nvSpPr>
+        <p:spPr>
+          <a:xfrm>
+            <a:off x="0" y="0"/>
+            <a:ext cx="12192000" cy="6858000"/>
+          </a:xfrm>
+          <a:prstGeom prst="rect">
+            <a:avLst/>
+          </a:prstGeom>
+          <a:ln w="12700" cap="flat" cmpd="sng" algn="ctr">
+            <a:noFill/>
+            <a:prstDash val="solid"/>
+            <a:miter lim="800000"/>
+          </a:ln>
+          <a:effectLst/>
+          <a:extLst>
+            <a:ext uri="{91240B29-F687-4F45-9708-019B960494DF}">
+              <a14:hiddenLine xmlns:a14="http://schemas.microsoft.com/office/drawing/2010/main" w="12700" cap="flat" cmpd="sng" algn="ctr">
+                <a:solidFill>
+                  <a:schemeClr val="accent1">
+                    <a:shade val="50000"/>
+                  </a:schemeClr>
+                </a:solidFill>
+                <a:prstDash val="solid"/>
+                <a:miter lim="800000"/>
+              </a14:hiddenLine>
+            </a:ext>
+          </a:extLst>
+        </p:spPr>
+        <p:style>
+          <a:lnRef idx="2">
+            <a:schemeClr val="accent1">
+              <a:shade val="50000"/>
+            </a:schemeClr>
+          </a:lnRef>
+          <a:fillRef idx="1">
+            <a:schemeClr val="accent1"/>
+          </a:fillRef>
+          <a:effectRef idx="0">
+            <a:schemeClr val="accent1"/>
+          </a:effectRef>
+          <a:fontRef idx="minor">
+            <a:schemeClr val="lt1"/>
+          </a:fontRef>
+        </p:style>
+        <p:txBody>
+          <a:bodyPr rtlCol="0" anchor="ctr"/>
+          <a:lstStyle/>
+          <a:p>
+            <a:pPr algn="ctr"/>
+            <a:endParaRPr lang="en-US"/>
+          </a:p>
+        </p:txBody>
+      </p:sp>
+      <p:sp>
+        <p:nvSpPr>
+          <p:cNvPr id="9" name="Rectangle 8">
+            <a:extLst>
+              <a:ext uri="{FF2B5EF4-FFF2-40B4-BE49-F238E27FC236}">
+                <a16:creationId xmlns:a16="http://schemas.microsoft.com/office/drawing/2014/main" id="{E2384209-CB15-4CDF-9D31-C44FD9A3F20D}"/>
+              </a:ext>
+              <a:ext uri="{C183D7F6-B498-43B3-948B-1728B52AA6E4}">
+                <adec:decorative xmlns:adec="http://schemas.microsoft.com/office/drawing/2017/decorative" val="1"/>
+              </a:ext>
+            </a:extLst>
+          </p:cNvPr>
+          <p:cNvSpPr>
+            <a:spLocks noGrp="1" noRot="1" noChangeAspect="1" noMove="1" noResize="1" noEditPoints="1" noAdjustHandles="1" noChangeArrowheads="1" noChangeShapeType="1" noTextEdit="1"/>
+          </p:cNvSpPr>
+          <p:nvPr>
+            <p:extLst>
+              <p:ext uri="{386F3935-93C4-4BCD-93E2-E3B085C9AB24}">
+                <p16:designElem xmlns:p16="http://schemas.microsoft.com/office/powerpoint/2015/main" val="1"/>
+              </p:ext>
+            </p:extLst>
+          </p:nvPr>
+        </p:nvSpPr>
+        <p:spPr>
+          <a:xfrm rot="16200000" flipH="1">
+            <a:off x="2666617" y="-2666188"/>
+            <a:ext cx="6858000" cy="12191233"/>
+          </a:xfrm>
+          <a:prstGeom prst="rect">
+            <a:avLst/>
+          </a:prstGeom>
+          <a:gradFill>
+            <a:gsLst>
+              <a:gs pos="8000">
+                <a:schemeClr val="accent1"/>
+              </a:gs>
+              <a:gs pos="100000">
+                <a:schemeClr val="accent1">
+                  <a:lumMod val="50000"/>
+                </a:schemeClr>
+              </a:gs>
+            </a:gsLst>
+            <a:lin ang="12000000" scaled="0"/>
+          </a:gradFill>
+          <a:ln>
+            <a:noFill/>
+          </a:ln>
+        </p:spPr>
+        <p:style>
+          <a:lnRef idx="2">
+            <a:schemeClr val="accent1">
+              <a:shade val="50000"/>
+            </a:schemeClr>
+          </a:lnRef>
+          <a:fillRef idx="1">
+            <a:schemeClr val="accent1"/>
+          </a:fillRef>
+          <a:effectRef idx="0">
+            <a:schemeClr val="accent1"/>
+          </a:effectRef>
+          <a:fontRef idx="minor">
+            <a:schemeClr val="lt1"/>
+          </a:fontRef>
+        </p:style>
+        <p:txBody>
+          <a:bodyPr rtlCol="0" anchor="ctr"/>
+          <a:lstStyle/>
+          <a:p>
+            <a:pPr algn="ctr"/>
+            <a:endParaRPr lang="en-US"/>
+          </a:p>
+        </p:txBody>
+      </p:sp>
+      <p:sp>
+        <p:nvSpPr>
+          <p:cNvPr id="11" name="Rectangle 10">
+            <a:extLst>
+              <a:ext uri="{FF2B5EF4-FFF2-40B4-BE49-F238E27FC236}">
+                <a16:creationId xmlns:a16="http://schemas.microsoft.com/office/drawing/2014/main" id="{2633B3B5-CC90-43F0-8714-D31D1F3F0209}"/>
+              </a:ext>
+              <a:ext uri="{C183D7F6-B498-43B3-948B-1728B52AA6E4}">
+                <adec:decorative xmlns:adec="http://schemas.microsoft.com/office/drawing/2017/decorative" val="1"/>
+              </a:ext>
+            </a:extLst>
+          </p:cNvPr>
+          <p:cNvSpPr>
+            <a:spLocks noGrp="1" noRot="1" noChangeAspect="1" noMove="1" noResize="1" noEditPoints="1" noAdjustHandles="1" noChangeArrowheads="1" noChangeShapeType="1" noTextEdit="1"/>
+          </p:cNvSpPr>
+          <p:nvPr>
+            <p:extLst>
+              <p:ext uri="{386F3935-93C4-4BCD-93E2-E3B085C9AB24}">
+                <p16:designElem xmlns:p16="http://schemas.microsoft.com/office/powerpoint/2015/main" val="1"/>
+              </p:ext>
+            </p:extLst>
+          </p:nvPr>
+        </p:nvSpPr>
+        <p:spPr>
+          <a:xfrm rot="10800000" flipH="1">
+            <a:off x="-2311" y="0"/>
+            <a:ext cx="9070846" cy="6857572"/>
+          </a:xfrm>
+          <a:prstGeom prst="rect">
+            <a:avLst/>
+          </a:prstGeom>
+          <a:gradFill>
+            <a:gsLst>
+              <a:gs pos="8000">
+                <a:srgbClr val="000000">
+                  <a:alpha val="52000"/>
+                </a:srgbClr>
+              </a:gs>
+              <a:gs pos="100000">
+                <a:schemeClr val="accent1"/>
+              </a:gs>
+            </a:gsLst>
+            <a:lin ang="4800000" scaled="0"/>
+          </a:gradFill>
+          <a:ln>
+            <a:noFill/>
+          </a:ln>
+        </p:spPr>
+        <p:style>
+          <a:lnRef idx="2">
+            <a:schemeClr val="accent1">
+              <a:shade val="50000"/>
+            </a:schemeClr>
+          </a:lnRef>
+          <a:fillRef idx="1">
+            <a:schemeClr val="accent1"/>
+          </a:fillRef>
+          <a:effectRef idx="0">
+            <a:schemeClr val="accent1"/>
+          </a:effectRef>
+          <a:fontRef idx="minor">
+            <a:schemeClr val="lt1"/>
+          </a:fontRef>
+        </p:style>
+        <p:txBody>
+          <a:bodyPr rtlCol="0" anchor="ctr"/>
+          <a:lstStyle/>
+          <a:p>
+            <a:pPr algn="ctr"/>
+            <a:endParaRPr lang="en-US"/>
+          </a:p>
+        </p:txBody>
+      </p:sp>
+      <p:sp>
+        <p:nvSpPr>
+          <p:cNvPr id="13" name="Rectangle 12">
+            <a:extLst>
+              <a:ext uri="{FF2B5EF4-FFF2-40B4-BE49-F238E27FC236}">
+                <a16:creationId xmlns:a16="http://schemas.microsoft.com/office/drawing/2014/main" id="{A8D57A06-A426-446D-B02C-A2DC6B62E45E}"/>
+              </a:ext>
+              <a:ext uri="{C183D7F6-B498-43B3-948B-1728B52AA6E4}">
+                <adec:decorative xmlns:adec="http://schemas.microsoft.com/office/drawing/2017/decorative" val="1"/>
+              </a:ext>
+            </a:extLst>
+          </p:cNvPr>
+          <p:cNvSpPr>
+            <a:spLocks noGrp="1" noRot="1" noChangeAspect="1" noMove="1" noResize="1" noEditPoints="1" noAdjustHandles="1" noChangeArrowheads="1" noChangeShapeType="1" noTextEdit="1"/>
+          </p:cNvSpPr>
+          <p:nvPr>
+            <p:extLst>
+              <p:ext uri="{386F3935-93C4-4BCD-93E2-E3B085C9AB24}">
+                <p16:designElem xmlns:p16="http://schemas.microsoft.com/office/powerpoint/2015/main" val="1"/>
+              </p:ext>
+            </p:extLst>
+          </p:nvPr>
+        </p:nvSpPr>
+        <p:spPr>
+          <a:xfrm rot="16200000" flipH="1">
+            <a:off x="3649491" y="-1685840"/>
+            <a:ext cx="4894564" cy="12193546"/>
+          </a:xfrm>
+          <a:prstGeom prst="rect">
+            <a:avLst/>
+          </a:prstGeom>
+          <a:gradFill>
+            <a:gsLst>
+              <a:gs pos="0">
+                <a:schemeClr val="accent5">
+                  <a:lumMod val="60000"/>
+                  <a:lumOff val="40000"/>
+                  <a:alpha val="0"/>
+                </a:schemeClr>
+              </a:gs>
+              <a:gs pos="100000">
+                <a:srgbClr val="000000">
+                  <a:alpha val="46000"/>
+                </a:srgbClr>
+              </a:gs>
+            </a:gsLst>
+            <a:lin ang="1200000" scaled="0"/>
+          </a:gradFill>
+          <a:ln>
+            <a:noFill/>
+          </a:ln>
+        </p:spPr>
+        <p:style>
+          <a:lnRef idx="2">
+            <a:schemeClr val="accent1">
+              <a:shade val="50000"/>
+            </a:schemeClr>
+          </a:lnRef>
+          <a:fillRef idx="1">
+            <a:schemeClr val="accent1"/>
+          </a:fillRef>
+          <a:effectRef idx="0">
+            <a:schemeClr val="accent1"/>
+          </a:effectRef>
+          <a:fontRef idx="minor">
+            <a:schemeClr val="lt1"/>
+          </a:fontRef>
+        </p:style>
+        <p:txBody>
+          <a:bodyPr rtlCol="0" anchor="ctr"/>
+          <a:lstStyle/>
+          <a:p>
+            <a:pPr algn="ctr"/>
+            <a:endParaRPr lang="en-US"/>
+          </a:p>
+        </p:txBody>
+      </p:sp>
+      <p:pic>
+        <p:nvPicPr>
+          <p:cNvPr id="2" name="Picture 1" descr="A screenshot of a computer&#10;&#10;Description automatically generated">
+            <a:extLst>
+              <a:ext uri="{FF2B5EF4-FFF2-40B4-BE49-F238E27FC236}">
+                <a16:creationId xmlns:a16="http://schemas.microsoft.com/office/drawing/2014/main" id="{1794063A-6729-5520-5016-EB8974218B01}"/>
+              </a:ext>
+            </a:extLst>
+          </p:cNvPr>
+          <p:cNvPicPr>
+            <a:picLocks noChangeAspect="1"/>
+          </p:cNvPicPr>
+          <p:nvPr/>
+        </p:nvPicPr>
+        <p:blipFill>
+          <a:blip r:embed="rId2" cstate="print">
+            <a:extLst>
+              <a:ext uri="{28A0092B-C50C-407E-A947-70E740481C1C}">
+                <a14:useLocalDpi xmlns:a14="http://schemas.microsoft.com/office/drawing/2010/main" val="0"/>
+              </a:ext>
+            </a:extLst>
+          </a:blip>
+          <a:stretch>
+            <a:fillRect/>
+          </a:stretch>
+        </p:blipFill>
+        <p:spPr>
+          <a:xfrm>
+            <a:off x="1850571" y="457200"/>
+            <a:ext cx="8490858" cy="5943600"/>
+          </a:xfrm>
+          <a:prstGeom prst="rect">
+            <a:avLst/>
+          </a:prstGeom>
+        </p:spPr>
+      </p:pic>
+    </p:spTree>
+    <p:extLst>
+      <p:ext uri="{BB962C8B-B14F-4D97-AF65-F5344CB8AC3E}">
+        <p14:creationId xmlns:p14="http://schemas.microsoft.com/office/powerpoint/2010/main" val="267503022"/>
+      </p:ext>
+    </p:extLst>
+  </p:cSld>
+  <p:clrMapOvr>
+    <a:masterClrMapping/>
+  </p:clrMapOvr>
+</p:sld>
+</file>
+
+<file path=ppt/slides/slide22.xml><?xml version="1.0" encoding="utf-8"?>
+<p:sld xmlns:a="http://schemas.openxmlformats.org/drawingml/2006/main" xmlns:r="http://schemas.openxmlformats.org/officeDocument/2006/relationships" xmlns:p="http://schemas.openxmlformats.org/presentationml/2006/main">
+  <p:cSld>
+    <p:bg>
+      <p:bgPr>
+        <a:solidFill>
+          <a:schemeClr val="bg1"/>
+        </a:solidFill>
+        <a:effectLst/>
+      </p:bgPr>
+    </p:bg>
+    <p:spTree>
+      <p:nvGrpSpPr>
+        <p:cNvPr id="1" name=""/>
+        <p:cNvGrpSpPr/>
+        <p:nvPr/>
+      </p:nvGrpSpPr>
+      <p:grpSpPr>
+        <a:xfrm>
+          <a:off x="0" y="0"/>
+          <a:ext cx="0" cy="0"/>
+          <a:chOff x="0" y="0"/>
+          <a:chExt cx="0" cy="0"/>
+        </a:xfrm>
+      </p:grpSpPr>
+      <p:sp useBgFill="1">
+        <p:nvSpPr>
+          <p:cNvPr id="7" name="Rectangle 6">
+            <a:extLst>
+              <a:ext uri="{FF2B5EF4-FFF2-40B4-BE49-F238E27FC236}">
+                <a16:creationId xmlns:a16="http://schemas.microsoft.com/office/drawing/2014/main" id="{AB8C311F-7253-4AED-9701-7FC0708C41C7}"/>
+              </a:ext>
+              <a:ext uri="{C183D7F6-B498-43B3-948B-1728B52AA6E4}">
+                <adec:decorative xmlns:adec="http://schemas.microsoft.com/office/drawing/2017/decorative" val="1"/>
+              </a:ext>
+            </a:extLst>
+          </p:cNvPr>
+          <p:cNvSpPr>
+            <a:spLocks noGrp="1" noRot="1" noChangeAspect="1" noMove="1" noResize="1" noEditPoints="1" noAdjustHandles="1" noChangeArrowheads="1" noChangeShapeType="1" noTextEdit="1"/>
+          </p:cNvSpPr>
+          <p:nvPr>
+            <p:extLst>
+              <p:ext uri="{386F3935-93C4-4BCD-93E2-E3B085C9AB24}">
+                <p16:designElem xmlns:p16="http://schemas.microsoft.com/office/powerpoint/2015/main" val="1"/>
+              </p:ext>
+            </p:extLst>
+          </p:nvPr>
+        </p:nvSpPr>
+        <p:spPr>
+          <a:xfrm>
+            <a:off x="0" y="0"/>
+            <a:ext cx="12192000" cy="6858000"/>
+          </a:xfrm>
+          <a:prstGeom prst="rect">
+            <a:avLst/>
+          </a:prstGeom>
+          <a:ln w="12700" cap="flat" cmpd="sng" algn="ctr">
+            <a:noFill/>
+            <a:prstDash val="solid"/>
+            <a:miter lim="800000"/>
+          </a:ln>
+          <a:effectLst/>
+          <a:extLst>
+            <a:ext uri="{91240B29-F687-4F45-9708-019B960494DF}">
+              <a14:hiddenLine xmlns:a14="http://schemas.microsoft.com/office/drawing/2010/main" w="12700" cap="flat" cmpd="sng" algn="ctr">
+                <a:solidFill>
+                  <a:schemeClr val="accent1">
+                    <a:shade val="50000"/>
+                  </a:schemeClr>
+                </a:solidFill>
+                <a:prstDash val="solid"/>
+                <a:miter lim="800000"/>
+              </a14:hiddenLine>
+            </a:ext>
+          </a:extLst>
+        </p:spPr>
+        <p:style>
+          <a:lnRef idx="2">
+            <a:schemeClr val="accent1">
+              <a:shade val="50000"/>
+            </a:schemeClr>
+          </a:lnRef>
+          <a:fillRef idx="1">
+            <a:schemeClr val="accent1"/>
+          </a:fillRef>
+          <a:effectRef idx="0">
+            <a:schemeClr val="accent1"/>
+          </a:effectRef>
+          <a:fontRef idx="minor">
+            <a:schemeClr val="lt1"/>
+          </a:fontRef>
+        </p:style>
+        <p:txBody>
+          <a:bodyPr rtlCol="0" anchor="ctr"/>
+          <a:lstStyle/>
+          <a:p>
+            <a:pPr algn="ctr"/>
+            <a:endParaRPr lang="en-US"/>
+          </a:p>
+        </p:txBody>
+      </p:sp>
+      <p:sp>
+        <p:nvSpPr>
+          <p:cNvPr id="9" name="Rectangle 8">
+            <a:extLst>
+              <a:ext uri="{FF2B5EF4-FFF2-40B4-BE49-F238E27FC236}">
+                <a16:creationId xmlns:a16="http://schemas.microsoft.com/office/drawing/2014/main" id="{E2384209-CB15-4CDF-9D31-C44FD9A3F20D}"/>
+              </a:ext>
+              <a:ext uri="{C183D7F6-B498-43B3-948B-1728B52AA6E4}">
+                <adec:decorative xmlns:adec="http://schemas.microsoft.com/office/drawing/2017/decorative" val="1"/>
+              </a:ext>
+            </a:extLst>
+          </p:cNvPr>
+          <p:cNvSpPr>
+            <a:spLocks noGrp="1" noRot="1" noChangeAspect="1" noMove="1" noResize="1" noEditPoints="1" noAdjustHandles="1" noChangeArrowheads="1" noChangeShapeType="1" noTextEdit="1"/>
+          </p:cNvSpPr>
+          <p:nvPr>
+            <p:extLst>
+              <p:ext uri="{386F3935-93C4-4BCD-93E2-E3B085C9AB24}">
+                <p16:designElem xmlns:p16="http://schemas.microsoft.com/office/powerpoint/2015/main" val="1"/>
+              </p:ext>
+            </p:extLst>
+          </p:nvPr>
+        </p:nvSpPr>
+        <p:spPr>
+          <a:xfrm rot="16200000" flipH="1">
+            <a:off x="2666617" y="-2666188"/>
+            <a:ext cx="6858000" cy="12191233"/>
+          </a:xfrm>
+          <a:prstGeom prst="rect">
+            <a:avLst/>
+          </a:prstGeom>
+          <a:gradFill>
+            <a:gsLst>
+              <a:gs pos="8000">
+                <a:schemeClr val="accent1"/>
+              </a:gs>
+              <a:gs pos="100000">
+                <a:schemeClr val="accent1">
+                  <a:lumMod val="50000"/>
+                </a:schemeClr>
+              </a:gs>
+            </a:gsLst>
+            <a:lin ang="12000000" scaled="0"/>
+          </a:gradFill>
+          <a:ln>
+            <a:noFill/>
+          </a:ln>
+        </p:spPr>
+        <p:style>
+          <a:lnRef idx="2">
+            <a:schemeClr val="accent1">
+              <a:shade val="50000"/>
+            </a:schemeClr>
+          </a:lnRef>
+          <a:fillRef idx="1">
+            <a:schemeClr val="accent1"/>
+          </a:fillRef>
+          <a:effectRef idx="0">
+            <a:schemeClr val="accent1"/>
+          </a:effectRef>
+          <a:fontRef idx="minor">
+            <a:schemeClr val="lt1"/>
+          </a:fontRef>
+        </p:style>
+        <p:txBody>
+          <a:bodyPr rtlCol="0" anchor="ctr"/>
+          <a:lstStyle/>
+          <a:p>
+            <a:pPr algn="ctr"/>
+            <a:endParaRPr lang="en-US"/>
+          </a:p>
+        </p:txBody>
+      </p:sp>
+      <p:sp>
+        <p:nvSpPr>
+          <p:cNvPr id="11" name="Rectangle 10">
+            <a:extLst>
+              <a:ext uri="{FF2B5EF4-FFF2-40B4-BE49-F238E27FC236}">
+                <a16:creationId xmlns:a16="http://schemas.microsoft.com/office/drawing/2014/main" id="{2633B3B5-CC90-43F0-8714-D31D1F3F0209}"/>
+              </a:ext>
+              <a:ext uri="{C183D7F6-B498-43B3-948B-1728B52AA6E4}">
+                <adec:decorative xmlns:adec="http://schemas.microsoft.com/office/drawing/2017/decorative" val="1"/>
+              </a:ext>
+            </a:extLst>
+          </p:cNvPr>
+          <p:cNvSpPr>
+            <a:spLocks noGrp="1" noRot="1" noChangeAspect="1" noMove="1" noResize="1" noEditPoints="1" noAdjustHandles="1" noChangeArrowheads="1" noChangeShapeType="1" noTextEdit="1"/>
+          </p:cNvSpPr>
+          <p:nvPr>
+            <p:extLst>
+              <p:ext uri="{386F3935-93C4-4BCD-93E2-E3B085C9AB24}">
+                <p16:designElem xmlns:p16="http://schemas.microsoft.com/office/powerpoint/2015/main" val="1"/>
+              </p:ext>
+            </p:extLst>
+          </p:nvPr>
+        </p:nvSpPr>
+        <p:spPr>
+          <a:xfrm rot="10800000" flipH="1">
+            <a:off x="-2311" y="0"/>
+            <a:ext cx="9070846" cy="6857572"/>
+          </a:xfrm>
+          <a:prstGeom prst="rect">
+            <a:avLst/>
+          </a:prstGeom>
+          <a:gradFill>
+            <a:gsLst>
+              <a:gs pos="8000">
+                <a:srgbClr val="000000">
+                  <a:alpha val="52000"/>
+                </a:srgbClr>
+              </a:gs>
+              <a:gs pos="100000">
+                <a:schemeClr val="accent1"/>
+              </a:gs>
+            </a:gsLst>
+            <a:lin ang="4800000" scaled="0"/>
+          </a:gradFill>
+          <a:ln>
+            <a:noFill/>
+          </a:ln>
+        </p:spPr>
+        <p:style>
+          <a:lnRef idx="2">
+            <a:schemeClr val="accent1">
+              <a:shade val="50000"/>
+            </a:schemeClr>
+          </a:lnRef>
+          <a:fillRef idx="1">
+            <a:schemeClr val="accent1"/>
+          </a:fillRef>
+          <a:effectRef idx="0">
+            <a:schemeClr val="accent1"/>
+          </a:effectRef>
+          <a:fontRef idx="minor">
+            <a:schemeClr val="lt1"/>
+          </a:fontRef>
+        </p:style>
+        <p:txBody>
+          <a:bodyPr rtlCol="0" anchor="ctr"/>
+          <a:lstStyle/>
+          <a:p>
+            <a:pPr algn="ctr"/>
+            <a:endParaRPr lang="en-US"/>
+          </a:p>
+        </p:txBody>
+      </p:sp>
+      <p:sp>
+        <p:nvSpPr>
+          <p:cNvPr id="13" name="Rectangle 12">
+            <a:extLst>
+              <a:ext uri="{FF2B5EF4-FFF2-40B4-BE49-F238E27FC236}">
+                <a16:creationId xmlns:a16="http://schemas.microsoft.com/office/drawing/2014/main" id="{A8D57A06-A426-446D-B02C-A2DC6B62E45E}"/>
+              </a:ext>
+              <a:ext uri="{C183D7F6-B498-43B3-948B-1728B52AA6E4}">
+                <adec:decorative xmlns:adec="http://schemas.microsoft.com/office/drawing/2017/decorative" val="1"/>
+              </a:ext>
+            </a:extLst>
+          </p:cNvPr>
+          <p:cNvSpPr>
+            <a:spLocks noGrp="1" noRot="1" noChangeAspect="1" noMove="1" noResize="1" noEditPoints="1" noAdjustHandles="1" noChangeArrowheads="1" noChangeShapeType="1" noTextEdit="1"/>
+          </p:cNvSpPr>
+          <p:nvPr>
+            <p:extLst>
+              <p:ext uri="{386F3935-93C4-4BCD-93E2-E3B085C9AB24}">
+                <p16:designElem xmlns:p16="http://schemas.microsoft.com/office/powerpoint/2015/main" val="1"/>
+              </p:ext>
+            </p:extLst>
+          </p:nvPr>
+        </p:nvSpPr>
+        <p:spPr>
+          <a:xfrm rot="16200000" flipH="1">
+            <a:off x="3649491" y="-1685840"/>
+            <a:ext cx="4894564" cy="12193546"/>
+          </a:xfrm>
+          <a:prstGeom prst="rect">
+            <a:avLst/>
+          </a:prstGeom>
+          <a:gradFill>
+            <a:gsLst>
+              <a:gs pos="0">
+                <a:schemeClr val="accent5">
+                  <a:lumMod val="60000"/>
+                  <a:lumOff val="40000"/>
+                  <a:alpha val="0"/>
+                </a:schemeClr>
+              </a:gs>
+              <a:gs pos="100000">
+                <a:srgbClr val="000000">
+                  <a:alpha val="46000"/>
+                </a:srgbClr>
+              </a:gs>
+            </a:gsLst>
+            <a:lin ang="1200000" scaled="0"/>
+          </a:gradFill>
+          <a:ln>
+            <a:noFill/>
+          </a:ln>
+        </p:spPr>
+        <p:style>
+          <a:lnRef idx="2">
+            <a:schemeClr val="accent1">
+              <a:shade val="50000"/>
+            </a:schemeClr>
+          </a:lnRef>
+          <a:fillRef idx="1">
+            <a:schemeClr val="accent1"/>
+          </a:fillRef>
+          <a:effectRef idx="0">
+            <a:schemeClr val="accent1"/>
+          </a:effectRef>
+          <a:fontRef idx="minor">
+            <a:schemeClr val="lt1"/>
+          </a:fontRef>
+        </p:style>
+        <p:txBody>
+          <a:bodyPr rtlCol="0" anchor="ctr"/>
+          <a:lstStyle/>
+          <a:p>
+            <a:pPr algn="ctr"/>
+            <a:endParaRPr lang="en-US"/>
+          </a:p>
+        </p:txBody>
+      </p:sp>
+      <p:pic>
+        <p:nvPicPr>
+          <p:cNvPr id="2" name="Picture 1" descr="A graph on a computer screen&#10;&#10;Description automatically generated">
+            <a:extLst>
+              <a:ext uri="{FF2B5EF4-FFF2-40B4-BE49-F238E27FC236}">
+                <a16:creationId xmlns:a16="http://schemas.microsoft.com/office/drawing/2014/main" id="{E07C5ABD-DA7A-37C0-BF8B-FAE222DFBA15}"/>
+              </a:ext>
+            </a:extLst>
+          </p:cNvPr>
+          <p:cNvPicPr>
+            <a:picLocks noChangeAspect="1"/>
+          </p:cNvPicPr>
+          <p:nvPr/>
+        </p:nvPicPr>
+        <p:blipFill>
+          <a:blip r:embed="rId2" cstate="print">
+            <a:extLst>
+              <a:ext uri="{28A0092B-C50C-407E-A947-70E740481C1C}">
+                <a14:useLocalDpi xmlns:a14="http://schemas.microsoft.com/office/drawing/2010/main" val="0"/>
+              </a:ext>
+            </a:extLst>
+          </a:blip>
+          <a:stretch>
+            <a:fillRect/>
+          </a:stretch>
+        </p:blipFill>
+        <p:spPr>
+          <a:xfrm>
+            <a:off x="1850571" y="457200"/>
+            <a:ext cx="8490858" cy="5943600"/>
+          </a:xfrm>
+          <a:prstGeom prst="rect">
+            <a:avLst/>
+          </a:prstGeom>
+        </p:spPr>
+      </p:pic>
+    </p:spTree>
+    <p:extLst>
+      <p:ext uri="{BB962C8B-B14F-4D97-AF65-F5344CB8AC3E}">
+        <p14:creationId xmlns:p14="http://schemas.microsoft.com/office/powerpoint/2010/main" val="783071049"/>
+      </p:ext>
+    </p:extLst>
+  </p:cSld>
+  <p:clrMapOvr>
+    <a:masterClrMapping/>
+  </p:clrMapOvr>
+</p:sld>
+</file>
+
+<file path=ppt/slides/slide23.xml><?xml version="1.0" encoding="utf-8"?>
+<p:sld xmlns:a="http://schemas.openxmlformats.org/drawingml/2006/main" xmlns:r="http://schemas.openxmlformats.org/officeDocument/2006/relationships" xmlns:p="http://schemas.openxmlformats.org/presentationml/2006/main">
+  <p:cSld>
+    <p:bg>
+      <p:bgPr>
+        <a:solidFill>
+          <a:schemeClr val="bg1"/>
+        </a:solidFill>
+        <a:effectLst/>
+      </p:bgPr>
+    </p:bg>
+    <p:spTree>
+      <p:nvGrpSpPr>
+        <p:cNvPr id="1" name=""/>
+        <p:cNvGrpSpPr/>
+        <p:nvPr/>
+      </p:nvGrpSpPr>
+      <p:grpSpPr>
+        <a:xfrm>
+          <a:off x="0" y="0"/>
+          <a:ext cx="0" cy="0"/>
+          <a:chOff x="0" y="0"/>
+          <a:chExt cx="0" cy="0"/>
+        </a:xfrm>
+      </p:grpSpPr>
+      <p:sp useBgFill="1">
+        <p:nvSpPr>
+          <p:cNvPr id="8" name="Rectangle 7">
+            <a:extLst>
+              <a:ext uri="{FF2B5EF4-FFF2-40B4-BE49-F238E27FC236}">
+                <a16:creationId xmlns:a16="http://schemas.microsoft.com/office/drawing/2014/main" id="{AB8C311F-7253-4AED-9701-7FC0708C41C7}"/>
+              </a:ext>
+              <a:ext uri="{C183D7F6-B498-43B3-948B-1728B52AA6E4}">
+                <adec:decorative xmlns:adec="http://schemas.microsoft.com/office/drawing/2017/decorative" val="1"/>
+              </a:ext>
+            </a:extLst>
+          </p:cNvPr>
+          <p:cNvSpPr>
+            <a:spLocks noGrp="1" noRot="1" noChangeAspect="1" noMove="1" noResize="1" noEditPoints="1" noAdjustHandles="1" noChangeArrowheads="1" noChangeShapeType="1" noTextEdit="1"/>
+          </p:cNvSpPr>
+          <p:nvPr>
+            <p:extLst>
+              <p:ext uri="{386F3935-93C4-4BCD-93E2-E3B085C9AB24}">
+                <p16:designElem xmlns:p16="http://schemas.microsoft.com/office/powerpoint/2015/main" val="1"/>
+              </p:ext>
+            </p:extLst>
+          </p:nvPr>
+        </p:nvSpPr>
+        <p:spPr>
+          <a:xfrm>
+            <a:off x="0" y="0"/>
+            <a:ext cx="12192000" cy="6858000"/>
+          </a:xfrm>
+          <a:prstGeom prst="rect">
+            <a:avLst/>
+          </a:prstGeom>
+          <a:ln w="12700" cap="flat" cmpd="sng" algn="ctr">
+            <a:noFill/>
+            <a:prstDash val="solid"/>
+            <a:miter lim="800000"/>
+          </a:ln>
+          <a:effectLst/>
+          <a:extLst>
+            <a:ext uri="{91240B29-F687-4F45-9708-019B960494DF}">
+              <a14:hiddenLine xmlns:a14="http://schemas.microsoft.com/office/drawing/2010/main" w="12700" cap="flat" cmpd="sng" algn="ctr">
+                <a:solidFill>
+                  <a:schemeClr val="accent1">
+                    <a:shade val="50000"/>
+                  </a:schemeClr>
+                </a:solidFill>
+                <a:prstDash val="solid"/>
+                <a:miter lim="800000"/>
+              </a14:hiddenLine>
+            </a:ext>
+          </a:extLst>
+        </p:spPr>
+        <p:style>
+          <a:lnRef idx="2">
+            <a:schemeClr val="accent1">
+              <a:shade val="50000"/>
+            </a:schemeClr>
+          </a:lnRef>
+          <a:fillRef idx="1">
+            <a:schemeClr val="accent1"/>
+          </a:fillRef>
+          <a:effectRef idx="0">
+            <a:schemeClr val="accent1"/>
+          </a:effectRef>
+          <a:fontRef idx="minor">
+            <a:schemeClr val="lt1"/>
+          </a:fontRef>
+        </p:style>
+        <p:txBody>
+          <a:bodyPr rtlCol="0" anchor="ctr"/>
+          <a:lstStyle/>
+          <a:p>
+            <a:pPr algn="ctr"/>
+            <a:endParaRPr lang="en-US"/>
+          </a:p>
+        </p:txBody>
+      </p:sp>
+      <p:sp>
+        <p:nvSpPr>
+          <p:cNvPr id="10" name="Rectangle 9">
+            <a:extLst>
+              <a:ext uri="{FF2B5EF4-FFF2-40B4-BE49-F238E27FC236}">
+                <a16:creationId xmlns:a16="http://schemas.microsoft.com/office/drawing/2014/main" id="{E2384209-CB15-4CDF-9D31-C44FD9A3F20D}"/>
+              </a:ext>
+              <a:ext uri="{C183D7F6-B498-43B3-948B-1728B52AA6E4}">
+                <adec:decorative xmlns:adec="http://schemas.microsoft.com/office/drawing/2017/decorative" val="1"/>
+              </a:ext>
+            </a:extLst>
+          </p:cNvPr>
+          <p:cNvSpPr>
+            <a:spLocks noGrp="1" noRot="1" noChangeAspect="1" noMove="1" noResize="1" noEditPoints="1" noAdjustHandles="1" noChangeArrowheads="1" noChangeShapeType="1" noTextEdit="1"/>
+          </p:cNvSpPr>
+          <p:nvPr>
+            <p:extLst>
+              <p:ext uri="{386F3935-93C4-4BCD-93E2-E3B085C9AB24}">
+                <p16:designElem xmlns:p16="http://schemas.microsoft.com/office/powerpoint/2015/main" val="1"/>
+              </p:ext>
+            </p:extLst>
+          </p:nvPr>
+        </p:nvSpPr>
+        <p:spPr>
+          <a:xfrm rot="16200000" flipH="1">
+            <a:off x="2666617" y="-2666188"/>
+            <a:ext cx="6858000" cy="12191233"/>
+          </a:xfrm>
+          <a:prstGeom prst="rect">
+            <a:avLst/>
+          </a:prstGeom>
+          <a:gradFill>
+            <a:gsLst>
+              <a:gs pos="8000">
+                <a:schemeClr val="accent1"/>
+              </a:gs>
+              <a:gs pos="100000">
+                <a:schemeClr val="accent1">
+                  <a:lumMod val="50000"/>
+                </a:schemeClr>
+              </a:gs>
+            </a:gsLst>
+            <a:lin ang="12000000" scaled="0"/>
+          </a:gradFill>
+          <a:ln>
+            <a:noFill/>
+          </a:ln>
+        </p:spPr>
+        <p:style>
+          <a:lnRef idx="2">
+            <a:schemeClr val="accent1">
+              <a:shade val="50000"/>
+            </a:schemeClr>
+          </a:lnRef>
+          <a:fillRef idx="1">
+            <a:schemeClr val="accent1"/>
+          </a:fillRef>
+          <a:effectRef idx="0">
+            <a:schemeClr val="accent1"/>
+          </a:effectRef>
+          <a:fontRef idx="minor">
+            <a:schemeClr val="lt1"/>
+          </a:fontRef>
+        </p:style>
+        <p:txBody>
+          <a:bodyPr rtlCol="0" anchor="ctr"/>
+          <a:lstStyle/>
+          <a:p>
+            <a:pPr algn="ctr"/>
+            <a:endParaRPr lang="en-US"/>
+          </a:p>
+        </p:txBody>
+      </p:sp>
+      <p:sp>
+        <p:nvSpPr>
+          <p:cNvPr id="12" name="Rectangle 11">
+            <a:extLst>
+              <a:ext uri="{FF2B5EF4-FFF2-40B4-BE49-F238E27FC236}">
+                <a16:creationId xmlns:a16="http://schemas.microsoft.com/office/drawing/2014/main" id="{2633B3B5-CC90-43F0-8714-D31D1F3F0209}"/>
+              </a:ext>
+              <a:ext uri="{C183D7F6-B498-43B3-948B-1728B52AA6E4}">
+                <adec:decorative xmlns:adec="http://schemas.microsoft.com/office/drawing/2017/decorative" val="1"/>
+              </a:ext>
+            </a:extLst>
+          </p:cNvPr>
+          <p:cNvSpPr>
+            <a:spLocks noGrp="1" noRot="1" noChangeAspect="1" noMove="1" noResize="1" noEditPoints="1" noAdjustHandles="1" noChangeArrowheads="1" noChangeShapeType="1" noTextEdit="1"/>
+          </p:cNvSpPr>
+          <p:nvPr>
+            <p:extLst>
+              <p:ext uri="{386F3935-93C4-4BCD-93E2-E3B085C9AB24}">
+                <p16:designElem xmlns:p16="http://schemas.microsoft.com/office/powerpoint/2015/main" val="1"/>
+              </p:ext>
+            </p:extLst>
+          </p:nvPr>
+        </p:nvSpPr>
+        <p:spPr>
+          <a:xfrm rot="10800000" flipH="1">
+            <a:off x="-2311" y="0"/>
+            <a:ext cx="9070846" cy="6857572"/>
+          </a:xfrm>
+          <a:prstGeom prst="rect">
+            <a:avLst/>
+          </a:prstGeom>
+          <a:gradFill>
+            <a:gsLst>
+              <a:gs pos="8000">
+                <a:srgbClr val="000000">
+                  <a:alpha val="52000"/>
+                </a:srgbClr>
+              </a:gs>
+              <a:gs pos="100000">
+                <a:schemeClr val="accent1"/>
+              </a:gs>
+            </a:gsLst>
+            <a:lin ang="4800000" scaled="0"/>
+          </a:gradFill>
+          <a:ln>
+            <a:noFill/>
+          </a:ln>
+        </p:spPr>
+        <p:style>
+          <a:lnRef idx="2">
+            <a:schemeClr val="accent1">
+              <a:shade val="50000"/>
+            </a:schemeClr>
+          </a:lnRef>
+          <a:fillRef idx="1">
+            <a:schemeClr val="accent1"/>
+          </a:fillRef>
+          <a:effectRef idx="0">
+            <a:schemeClr val="accent1"/>
+          </a:effectRef>
+          <a:fontRef idx="minor">
+            <a:schemeClr val="lt1"/>
+          </a:fontRef>
+        </p:style>
+        <p:txBody>
+          <a:bodyPr rtlCol="0" anchor="ctr"/>
+          <a:lstStyle/>
+          <a:p>
+            <a:pPr algn="ctr"/>
+            <a:endParaRPr lang="en-US"/>
+          </a:p>
+        </p:txBody>
+      </p:sp>
+      <p:sp>
+        <p:nvSpPr>
+          <p:cNvPr id="14" name="Rectangle 13">
+            <a:extLst>
+              <a:ext uri="{FF2B5EF4-FFF2-40B4-BE49-F238E27FC236}">
+                <a16:creationId xmlns:a16="http://schemas.microsoft.com/office/drawing/2014/main" id="{A8D57A06-A426-446D-B02C-A2DC6B62E45E}"/>
+              </a:ext>
+              <a:ext uri="{C183D7F6-B498-43B3-948B-1728B52AA6E4}">
+                <adec:decorative xmlns:adec="http://schemas.microsoft.com/office/drawing/2017/decorative" val="1"/>
+              </a:ext>
+            </a:extLst>
+          </p:cNvPr>
+          <p:cNvSpPr>
+            <a:spLocks noGrp="1" noRot="1" noChangeAspect="1" noMove="1" noResize="1" noEditPoints="1" noAdjustHandles="1" noChangeArrowheads="1" noChangeShapeType="1" noTextEdit="1"/>
+          </p:cNvSpPr>
+          <p:nvPr>
+            <p:extLst>
+              <p:ext uri="{386F3935-93C4-4BCD-93E2-E3B085C9AB24}">
+                <p16:designElem xmlns:p16="http://schemas.microsoft.com/office/powerpoint/2015/main" val="1"/>
+              </p:ext>
+            </p:extLst>
+          </p:nvPr>
+        </p:nvSpPr>
+        <p:spPr>
+          <a:xfrm rot="16200000" flipH="1">
+            <a:off x="3649491" y="-1685840"/>
+            <a:ext cx="4894564" cy="12193546"/>
+          </a:xfrm>
+          <a:prstGeom prst="rect">
+            <a:avLst/>
+          </a:prstGeom>
+          <a:gradFill>
+            <a:gsLst>
+              <a:gs pos="0">
+                <a:schemeClr val="accent5">
+                  <a:lumMod val="60000"/>
+                  <a:lumOff val="40000"/>
+                  <a:alpha val="0"/>
+                </a:schemeClr>
+              </a:gs>
+              <a:gs pos="100000">
+                <a:srgbClr val="000000">
+                  <a:alpha val="46000"/>
+                </a:srgbClr>
+              </a:gs>
+            </a:gsLst>
+            <a:lin ang="1200000" scaled="0"/>
+          </a:gradFill>
+          <a:ln>
+            <a:noFill/>
+          </a:ln>
+        </p:spPr>
+        <p:style>
+          <a:lnRef idx="2">
+            <a:schemeClr val="accent1">
+              <a:shade val="50000"/>
+            </a:schemeClr>
+          </a:lnRef>
+          <a:fillRef idx="1">
+            <a:schemeClr val="accent1"/>
+          </a:fillRef>
+          <a:effectRef idx="0">
+            <a:schemeClr val="accent1"/>
+          </a:effectRef>
+          <a:fontRef idx="minor">
+            <a:schemeClr val="lt1"/>
+          </a:fontRef>
+        </p:style>
+        <p:txBody>
+          <a:bodyPr rtlCol="0" anchor="ctr"/>
+          <a:lstStyle/>
+          <a:p>
+            <a:pPr algn="ctr"/>
+            <a:endParaRPr lang="en-US"/>
+          </a:p>
+        </p:txBody>
+      </p:sp>
+      <p:pic>
+        <p:nvPicPr>
+          <p:cNvPr id="3" name="Picture 2" descr="A screen shot of a graph&#10;&#10;Description automatically generated">
+            <a:extLst>
+              <a:ext uri="{FF2B5EF4-FFF2-40B4-BE49-F238E27FC236}">
+                <a16:creationId xmlns:a16="http://schemas.microsoft.com/office/drawing/2014/main" id="{68E3228C-46DC-7796-CB65-C329B72B5E5C}"/>
+              </a:ext>
+            </a:extLst>
+          </p:cNvPr>
+          <p:cNvPicPr>
+            <a:picLocks noChangeAspect="1"/>
+          </p:cNvPicPr>
+          <p:nvPr/>
+        </p:nvPicPr>
+        <p:blipFill>
+          <a:blip r:embed="rId2" cstate="print">
+            <a:extLst>
+              <a:ext uri="{28A0092B-C50C-407E-A947-70E740481C1C}">
+                <a14:useLocalDpi xmlns:a14="http://schemas.microsoft.com/office/drawing/2010/main" val="0"/>
+              </a:ext>
+            </a:extLst>
+          </a:blip>
+          <a:stretch>
+            <a:fillRect/>
+          </a:stretch>
+        </p:blipFill>
+        <p:spPr>
+          <a:xfrm>
+            <a:off x="1850571" y="457200"/>
+            <a:ext cx="8490858" cy="5943600"/>
+          </a:xfrm>
+          <a:prstGeom prst="rect">
+            <a:avLst/>
+          </a:prstGeom>
+        </p:spPr>
+      </p:pic>
+    </p:spTree>
+    <p:extLst>
+      <p:ext uri="{BB962C8B-B14F-4D97-AF65-F5344CB8AC3E}">
+        <p14:creationId xmlns:p14="http://schemas.microsoft.com/office/powerpoint/2010/main" val="3546414116"/>
+      </p:ext>
+    </p:extLst>
+  </p:cSld>
+  <p:clrMapOvr>
+    <a:masterClrMapping/>
+  </p:clrMapOvr>
+</p:sld>
+</file>
+
+<file path=ppt/slides/slide24.xml><?xml version="1.0" encoding="utf-8"?>
+<p:sld xmlns:a="http://schemas.openxmlformats.org/drawingml/2006/main" xmlns:r="http://schemas.openxmlformats.org/officeDocument/2006/relationships" xmlns:p="http://schemas.openxmlformats.org/presentationml/2006/main">
+  <p:cSld>
+    <p:bg>
+      <p:bgPr>
+        <a:solidFill>
+          <a:schemeClr val="bg1"/>
+        </a:solidFill>
+        <a:effectLst/>
+      </p:bgPr>
+    </p:bg>
+    <p:spTree>
+      <p:nvGrpSpPr>
+        <p:cNvPr id="1" name=""/>
+        <p:cNvGrpSpPr/>
+        <p:nvPr/>
+      </p:nvGrpSpPr>
+      <p:grpSpPr>
+        <a:xfrm>
+          <a:off x="0" y="0"/>
+          <a:ext cx="0" cy="0"/>
+          <a:chOff x="0" y="0"/>
+          <a:chExt cx="0" cy="0"/>
+        </a:xfrm>
+      </p:grpSpPr>
+      <p:sp useBgFill="1">
+        <p:nvSpPr>
+          <p:cNvPr id="7" name="Rectangle 6">
+            <a:extLst>
+              <a:ext uri="{FF2B5EF4-FFF2-40B4-BE49-F238E27FC236}">
+                <a16:creationId xmlns:a16="http://schemas.microsoft.com/office/drawing/2014/main" id="{AB8C311F-7253-4AED-9701-7FC0708C41C7}"/>
+              </a:ext>
+              <a:ext uri="{C183D7F6-B498-43B3-948B-1728B52AA6E4}">
+                <adec:decorative xmlns:adec="http://schemas.microsoft.com/office/drawing/2017/decorative" val="1"/>
+              </a:ext>
+            </a:extLst>
+          </p:cNvPr>
+          <p:cNvSpPr>
+            <a:spLocks noGrp="1" noRot="1" noChangeAspect="1" noMove="1" noResize="1" noEditPoints="1" noAdjustHandles="1" noChangeArrowheads="1" noChangeShapeType="1" noTextEdit="1"/>
+          </p:cNvSpPr>
+          <p:nvPr>
+            <p:extLst>
+              <p:ext uri="{386F3935-93C4-4BCD-93E2-E3B085C9AB24}">
+                <p16:designElem xmlns:p16="http://schemas.microsoft.com/office/powerpoint/2015/main" val="1"/>
+              </p:ext>
+            </p:extLst>
+          </p:nvPr>
+        </p:nvSpPr>
+        <p:spPr>
+          <a:xfrm>
+            <a:off x="0" y="0"/>
+            <a:ext cx="12192000" cy="6858000"/>
+          </a:xfrm>
+          <a:prstGeom prst="rect">
+            <a:avLst/>
+          </a:prstGeom>
+          <a:ln w="12700" cap="flat" cmpd="sng" algn="ctr">
+            <a:noFill/>
+            <a:prstDash val="solid"/>
+            <a:miter lim="800000"/>
+          </a:ln>
+          <a:effectLst/>
+          <a:extLst>
+            <a:ext uri="{91240B29-F687-4F45-9708-019B960494DF}">
+              <a14:hiddenLine xmlns:a14="http://schemas.microsoft.com/office/drawing/2010/main" w="12700" cap="flat" cmpd="sng" algn="ctr">
+                <a:solidFill>
+                  <a:schemeClr val="accent1">
+                    <a:shade val="50000"/>
+                  </a:schemeClr>
+                </a:solidFill>
+                <a:prstDash val="solid"/>
+                <a:miter lim="800000"/>
+              </a14:hiddenLine>
+            </a:ext>
+          </a:extLst>
+        </p:spPr>
+        <p:style>
+          <a:lnRef idx="2">
+            <a:schemeClr val="accent1">
+              <a:shade val="50000"/>
+            </a:schemeClr>
+          </a:lnRef>
+          <a:fillRef idx="1">
+            <a:schemeClr val="accent1"/>
+          </a:fillRef>
+          <a:effectRef idx="0">
+            <a:schemeClr val="accent1"/>
+          </a:effectRef>
+          <a:fontRef idx="minor">
+            <a:schemeClr val="lt1"/>
+          </a:fontRef>
+        </p:style>
+        <p:txBody>
+          <a:bodyPr rtlCol="0" anchor="ctr"/>
+          <a:lstStyle/>
+          <a:p>
+            <a:pPr algn="ctr"/>
+            <a:endParaRPr lang="en-US"/>
+          </a:p>
+        </p:txBody>
+      </p:sp>
+      <p:sp>
+        <p:nvSpPr>
+          <p:cNvPr id="9" name="Rectangle 8">
+            <a:extLst>
+              <a:ext uri="{FF2B5EF4-FFF2-40B4-BE49-F238E27FC236}">
+                <a16:creationId xmlns:a16="http://schemas.microsoft.com/office/drawing/2014/main" id="{E2384209-CB15-4CDF-9D31-C44FD9A3F20D}"/>
+              </a:ext>
+              <a:ext uri="{C183D7F6-B498-43B3-948B-1728B52AA6E4}">
+                <adec:decorative xmlns:adec="http://schemas.microsoft.com/office/drawing/2017/decorative" val="1"/>
+              </a:ext>
+            </a:extLst>
+          </p:cNvPr>
+          <p:cNvSpPr>
+            <a:spLocks noGrp="1" noRot="1" noChangeAspect="1" noMove="1" noResize="1" noEditPoints="1" noAdjustHandles="1" noChangeArrowheads="1" noChangeShapeType="1" noTextEdit="1"/>
+          </p:cNvSpPr>
+          <p:nvPr>
+            <p:extLst>
+              <p:ext uri="{386F3935-93C4-4BCD-93E2-E3B085C9AB24}">
+                <p16:designElem xmlns:p16="http://schemas.microsoft.com/office/powerpoint/2015/main" val="1"/>
+              </p:ext>
+            </p:extLst>
+          </p:nvPr>
+        </p:nvSpPr>
+        <p:spPr>
+          <a:xfrm rot="16200000" flipH="1">
+            <a:off x="2666617" y="-2666188"/>
+            <a:ext cx="6858000" cy="12191233"/>
+          </a:xfrm>
+          <a:prstGeom prst="rect">
+            <a:avLst/>
+          </a:prstGeom>
+          <a:gradFill>
+            <a:gsLst>
+              <a:gs pos="8000">
+                <a:schemeClr val="accent1"/>
+              </a:gs>
+              <a:gs pos="100000">
+                <a:schemeClr val="accent1">
+                  <a:lumMod val="50000"/>
+                </a:schemeClr>
+              </a:gs>
+            </a:gsLst>
+            <a:lin ang="12000000" scaled="0"/>
+          </a:gradFill>
+          <a:ln>
+            <a:noFill/>
+          </a:ln>
+        </p:spPr>
+        <p:style>
+          <a:lnRef idx="2">
+            <a:schemeClr val="accent1">
+              <a:shade val="50000"/>
+            </a:schemeClr>
+          </a:lnRef>
+          <a:fillRef idx="1">
+            <a:schemeClr val="accent1"/>
+          </a:fillRef>
+          <a:effectRef idx="0">
+            <a:schemeClr val="accent1"/>
+          </a:effectRef>
+          <a:fontRef idx="minor">
+            <a:schemeClr val="lt1"/>
+          </a:fontRef>
+        </p:style>
+        <p:txBody>
+          <a:bodyPr rtlCol="0" anchor="ctr"/>
+          <a:lstStyle/>
+          <a:p>
+            <a:pPr algn="ctr"/>
+            <a:endParaRPr lang="en-US"/>
+          </a:p>
+        </p:txBody>
+      </p:sp>
+      <p:sp>
+        <p:nvSpPr>
+          <p:cNvPr id="11" name="Rectangle 10">
+            <a:extLst>
+              <a:ext uri="{FF2B5EF4-FFF2-40B4-BE49-F238E27FC236}">
+                <a16:creationId xmlns:a16="http://schemas.microsoft.com/office/drawing/2014/main" id="{2633B3B5-CC90-43F0-8714-D31D1F3F0209}"/>
+              </a:ext>
+              <a:ext uri="{C183D7F6-B498-43B3-948B-1728B52AA6E4}">
+                <adec:decorative xmlns:adec="http://schemas.microsoft.com/office/drawing/2017/decorative" val="1"/>
+              </a:ext>
+            </a:extLst>
+          </p:cNvPr>
+          <p:cNvSpPr>
+            <a:spLocks noGrp="1" noRot="1" noChangeAspect="1" noMove="1" noResize="1" noEditPoints="1" noAdjustHandles="1" noChangeArrowheads="1" noChangeShapeType="1" noTextEdit="1"/>
+          </p:cNvSpPr>
+          <p:nvPr>
+            <p:extLst>
+              <p:ext uri="{386F3935-93C4-4BCD-93E2-E3B085C9AB24}">
+                <p16:designElem xmlns:p16="http://schemas.microsoft.com/office/powerpoint/2015/main" val="1"/>
+              </p:ext>
+            </p:extLst>
+          </p:nvPr>
+        </p:nvSpPr>
+        <p:spPr>
+          <a:xfrm rot="10800000" flipH="1">
+            <a:off x="-2311" y="0"/>
+            <a:ext cx="9070846" cy="6857572"/>
+          </a:xfrm>
+          <a:prstGeom prst="rect">
+            <a:avLst/>
+          </a:prstGeom>
+          <a:gradFill>
+            <a:gsLst>
+              <a:gs pos="8000">
+                <a:srgbClr val="000000">
+                  <a:alpha val="52000"/>
+                </a:srgbClr>
+              </a:gs>
+              <a:gs pos="100000">
+                <a:schemeClr val="accent1"/>
+              </a:gs>
+            </a:gsLst>
+            <a:lin ang="4800000" scaled="0"/>
+          </a:gradFill>
+          <a:ln>
+            <a:noFill/>
+          </a:ln>
+        </p:spPr>
+        <p:style>
+          <a:lnRef idx="2">
+            <a:schemeClr val="accent1">
+              <a:shade val="50000"/>
+            </a:schemeClr>
+          </a:lnRef>
+          <a:fillRef idx="1">
+            <a:schemeClr val="accent1"/>
+          </a:fillRef>
+          <a:effectRef idx="0">
+            <a:schemeClr val="accent1"/>
+          </a:effectRef>
+          <a:fontRef idx="minor">
+            <a:schemeClr val="lt1"/>
+          </a:fontRef>
+        </p:style>
+        <p:txBody>
+          <a:bodyPr rtlCol="0" anchor="ctr"/>
+          <a:lstStyle/>
+          <a:p>
+            <a:pPr algn="ctr"/>
+            <a:endParaRPr lang="en-US"/>
+          </a:p>
+        </p:txBody>
+      </p:sp>
+      <p:sp>
+        <p:nvSpPr>
+          <p:cNvPr id="13" name="Rectangle 12">
+            <a:extLst>
+              <a:ext uri="{FF2B5EF4-FFF2-40B4-BE49-F238E27FC236}">
+                <a16:creationId xmlns:a16="http://schemas.microsoft.com/office/drawing/2014/main" id="{A8D57A06-A426-446D-B02C-A2DC6B62E45E}"/>
+              </a:ext>
+              <a:ext uri="{C183D7F6-B498-43B3-948B-1728B52AA6E4}">
+                <adec:decorative xmlns:adec="http://schemas.microsoft.com/office/drawing/2017/decorative" val="1"/>
+              </a:ext>
+            </a:extLst>
+          </p:cNvPr>
+          <p:cNvSpPr>
+            <a:spLocks noGrp="1" noRot="1" noChangeAspect="1" noMove="1" noResize="1" noEditPoints="1" noAdjustHandles="1" noChangeArrowheads="1" noChangeShapeType="1" noTextEdit="1"/>
+          </p:cNvSpPr>
+          <p:nvPr>
+            <p:extLst>
+              <p:ext uri="{386F3935-93C4-4BCD-93E2-E3B085C9AB24}">
+                <p16:designElem xmlns:p16="http://schemas.microsoft.com/office/powerpoint/2015/main" val="1"/>
+              </p:ext>
+            </p:extLst>
+          </p:nvPr>
+        </p:nvSpPr>
+        <p:spPr>
+          <a:xfrm rot="16200000" flipH="1">
+            <a:off x="3649491" y="-1685840"/>
+            <a:ext cx="4894564" cy="12193546"/>
+          </a:xfrm>
+          <a:prstGeom prst="rect">
+            <a:avLst/>
+          </a:prstGeom>
+          <a:gradFill>
+            <a:gsLst>
+              <a:gs pos="0">
+                <a:schemeClr val="accent5">
+                  <a:lumMod val="60000"/>
+                  <a:lumOff val="40000"/>
+                  <a:alpha val="0"/>
+                </a:schemeClr>
+              </a:gs>
+              <a:gs pos="100000">
+                <a:srgbClr val="000000">
+                  <a:alpha val="46000"/>
+                </a:srgbClr>
+              </a:gs>
+            </a:gsLst>
+            <a:lin ang="1200000" scaled="0"/>
+          </a:gradFill>
+          <a:ln>
+            <a:noFill/>
+          </a:ln>
+        </p:spPr>
+        <p:style>
+          <a:lnRef idx="2">
+            <a:schemeClr val="accent1">
+              <a:shade val="50000"/>
+            </a:schemeClr>
+          </a:lnRef>
+          <a:fillRef idx="1">
+            <a:schemeClr val="accent1"/>
+          </a:fillRef>
+          <a:effectRef idx="0">
+            <a:schemeClr val="accent1"/>
+          </a:effectRef>
+          <a:fontRef idx="minor">
+            <a:schemeClr val="lt1"/>
+          </a:fontRef>
+        </p:style>
+        <p:txBody>
+          <a:bodyPr rtlCol="0" anchor="ctr"/>
+          <a:lstStyle/>
+          <a:p>
+            <a:pPr algn="ctr"/>
+            <a:endParaRPr lang="en-US"/>
+          </a:p>
+        </p:txBody>
+      </p:sp>
+      <p:pic>
+        <p:nvPicPr>
+          <p:cNvPr id="2" name="Picture 1" descr="A screen shot of a computer&#10;&#10;Description automatically generated">
+            <a:extLst>
+              <a:ext uri="{FF2B5EF4-FFF2-40B4-BE49-F238E27FC236}">
+                <a16:creationId xmlns:a16="http://schemas.microsoft.com/office/drawing/2014/main" id="{610116EE-D859-1F1F-FFFD-ECB9DE3DF2DA}"/>
+              </a:ext>
+            </a:extLst>
+          </p:cNvPr>
+          <p:cNvPicPr>
+            <a:picLocks noChangeAspect="1"/>
+          </p:cNvPicPr>
+          <p:nvPr/>
+        </p:nvPicPr>
+        <p:blipFill>
+          <a:blip r:embed="rId2" cstate="print">
+            <a:extLst>
+              <a:ext uri="{28A0092B-C50C-407E-A947-70E740481C1C}">
+                <a14:useLocalDpi xmlns:a14="http://schemas.microsoft.com/office/drawing/2010/main" val="0"/>
+              </a:ext>
+            </a:extLst>
+          </a:blip>
+          <a:stretch>
+            <a:fillRect/>
+          </a:stretch>
+        </p:blipFill>
+        <p:spPr>
+          <a:xfrm>
+            <a:off x="1850571" y="457200"/>
+            <a:ext cx="8490858" cy="5943600"/>
+          </a:xfrm>
+          <a:prstGeom prst="rect">
+            <a:avLst/>
+          </a:prstGeom>
+        </p:spPr>
+      </p:pic>
+    </p:spTree>
+    <p:extLst>
+      <p:ext uri="{BB962C8B-B14F-4D97-AF65-F5344CB8AC3E}">
+        <p14:creationId xmlns:p14="http://schemas.microsoft.com/office/powerpoint/2010/main" val="3233374252"/>
+      </p:ext>
+    </p:extLst>
+  </p:cSld>
+  <p:clrMapOvr>
+    <a:masterClrMapping/>
+  </p:clrMapOvr>
+</p:sld>
+</file>
+
+<file path=ppt/slides/slide25.xml><?xml version="1.0" encoding="utf-8"?>
+<p:sld xmlns:a="http://schemas.openxmlformats.org/drawingml/2006/main" xmlns:r="http://schemas.openxmlformats.org/officeDocument/2006/relationships" xmlns:p="http://schemas.openxmlformats.org/presentationml/2006/main">
+  <p:cSld>
+    <p:bg>
+      <p:bgPr>
+        <a:solidFill>
+          <a:schemeClr val="bg1"/>
+        </a:solidFill>
+        <a:effectLst/>
+      </p:bgPr>
+    </p:bg>
+    <p:spTree>
+      <p:nvGrpSpPr>
+        <p:cNvPr id="1" name=""/>
+        <p:cNvGrpSpPr/>
+        <p:nvPr/>
+      </p:nvGrpSpPr>
+      <p:grpSpPr>
+        <a:xfrm>
+          <a:off x="0" y="0"/>
+          <a:ext cx="0" cy="0"/>
+          <a:chOff x="0" y="0"/>
+          <a:chExt cx="0" cy="0"/>
+        </a:xfrm>
+      </p:grpSpPr>
+      <p:sp useBgFill="1">
+        <p:nvSpPr>
+          <p:cNvPr id="7" name="Rectangle 6">
+            <a:extLst>
+              <a:ext uri="{FF2B5EF4-FFF2-40B4-BE49-F238E27FC236}">
+                <a16:creationId xmlns:a16="http://schemas.microsoft.com/office/drawing/2014/main" id="{AB8C311F-7253-4AED-9701-7FC0708C41C7}"/>
+              </a:ext>
+              <a:ext uri="{C183D7F6-B498-43B3-948B-1728B52AA6E4}">
+                <adec:decorative xmlns:adec="http://schemas.microsoft.com/office/drawing/2017/decorative" val="1"/>
+              </a:ext>
+            </a:extLst>
+          </p:cNvPr>
+          <p:cNvSpPr>
+            <a:spLocks noGrp="1" noRot="1" noChangeAspect="1" noMove="1" noResize="1" noEditPoints="1" noAdjustHandles="1" noChangeArrowheads="1" noChangeShapeType="1" noTextEdit="1"/>
+          </p:cNvSpPr>
+          <p:nvPr>
+            <p:extLst>
+              <p:ext uri="{386F3935-93C4-4BCD-93E2-E3B085C9AB24}">
+                <p16:designElem xmlns:p16="http://schemas.microsoft.com/office/powerpoint/2015/main" val="1"/>
+              </p:ext>
+            </p:extLst>
+          </p:nvPr>
+        </p:nvSpPr>
+        <p:spPr>
+          <a:xfrm>
+            <a:off x="0" y="0"/>
+            <a:ext cx="12192000" cy="6858000"/>
+          </a:xfrm>
+          <a:prstGeom prst="rect">
+            <a:avLst/>
+          </a:prstGeom>
+          <a:ln w="12700" cap="flat" cmpd="sng" algn="ctr">
+            <a:noFill/>
+            <a:prstDash val="solid"/>
+            <a:miter lim="800000"/>
+          </a:ln>
+          <a:effectLst/>
+          <a:extLst>
+            <a:ext uri="{91240B29-F687-4F45-9708-019B960494DF}">
+              <a14:hiddenLine xmlns:a14="http://schemas.microsoft.com/office/drawing/2010/main" w="12700" cap="flat" cmpd="sng" algn="ctr">
+                <a:solidFill>
+                  <a:schemeClr val="accent1">
+                    <a:shade val="50000"/>
+                  </a:schemeClr>
+                </a:solidFill>
+                <a:prstDash val="solid"/>
+                <a:miter lim="800000"/>
+              </a14:hiddenLine>
+            </a:ext>
+          </a:extLst>
+        </p:spPr>
+        <p:style>
+          <a:lnRef idx="2">
+            <a:schemeClr val="accent1">
+              <a:shade val="50000"/>
+            </a:schemeClr>
+          </a:lnRef>
+          <a:fillRef idx="1">
+            <a:schemeClr val="accent1"/>
+          </a:fillRef>
+          <a:effectRef idx="0">
+            <a:schemeClr val="accent1"/>
+          </a:effectRef>
+          <a:fontRef idx="minor">
+            <a:schemeClr val="lt1"/>
+          </a:fontRef>
+        </p:style>
+        <p:txBody>
+          <a:bodyPr rtlCol="0" anchor="ctr"/>
+          <a:lstStyle/>
+          <a:p>
+            <a:pPr algn="ctr"/>
+            <a:endParaRPr lang="en-US"/>
+          </a:p>
+        </p:txBody>
+      </p:sp>
+      <p:sp>
+        <p:nvSpPr>
+          <p:cNvPr id="9" name="Rectangle 8">
+            <a:extLst>
+              <a:ext uri="{FF2B5EF4-FFF2-40B4-BE49-F238E27FC236}">
+                <a16:creationId xmlns:a16="http://schemas.microsoft.com/office/drawing/2014/main" id="{E2384209-CB15-4CDF-9D31-C44FD9A3F20D}"/>
+              </a:ext>
+              <a:ext uri="{C183D7F6-B498-43B3-948B-1728B52AA6E4}">
+                <adec:decorative xmlns:adec="http://schemas.microsoft.com/office/drawing/2017/decorative" val="1"/>
+              </a:ext>
+            </a:extLst>
+          </p:cNvPr>
+          <p:cNvSpPr>
+            <a:spLocks noGrp="1" noRot="1" noChangeAspect="1" noMove="1" noResize="1" noEditPoints="1" noAdjustHandles="1" noChangeArrowheads="1" noChangeShapeType="1" noTextEdit="1"/>
+          </p:cNvSpPr>
+          <p:nvPr>
+            <p:extLst>
+              <p:ext uri="{386F3935-93C4-4BCD-93E2-E3B085C9AB24}">
+                <p16:designElem xmlns:p16="http://schemas.microsoft.com/office/powerpoint/2015/main" val="1"/>
+              </p:ext>
+            </p:extLst>
+          </p:nvPr>
+        </p:nvSpPr>
+        <p:spPr>
+          <a:xfrm rot="16200000" flipH="1">
+            <a:off x="2666617" y="-2666188"/>
+            <a:ext cx="6858000" cy="12191233"/>
+          </a:xfrm>
+          <a:prstGeom prst="rect">
+            <a:avLst/>
+          </a:prstGeom>
+          <a:gradFill>
+            <a:gsLst>
+              <a:gs pos="8000">
+                <a:schemeClr val="accent1"/>
+              </a:gs>
+              <a:gs pos="100000">
+                <a:schemeClr val="accent1">
+                  <a:lumMod val="50000"/>
+                </a:schemeClr>
+              </a:gs>
+            </a:gsLst>
+            <a:lin ang="12000000" scaled="0"/>
+          </a:gradFill>
+          <a:ln>
+            <a:noFill/>
+          </a:ln>
+        </p:spPr>
+        <p:style>
+          <a:lnRef idx="2">
+            <a:schemeClr val="accent1">
+              <a:shade val="50000"/>
+            </a:schemeClr>
+          </a:lnRef>
+          <a:fillRef idx="1">
+            <a:schemeClr val="accent1"/>
+          </a:fillRef>
+          <a:effectRef idx="0">
+            <a:schemeClr val="accent1"/>
+          </a:effectRef>
+          <a:fontRef idx="minor">
+            <a:schemeClr val="lt1"/>
+          </a:fontRef>
+        </p:style>
+        <p:txBody>
+          <a:bodyPr rtlCol="0" anchor="ctr"/>
+          <a:lstStyle/>
+          <a:p>
+            <a:pPr algn="ctr"/>
+            <a:endParaRPr lang="en-US"/>
+          </a:p>
+        </p:txBody>
+      </p:sp>
+      <p:sp>
+        <p:nvSpPr>
+          <p:cNvPr id="11" name="Rectangle 10">
+            <a:extLst>
+              <a:ext uri="{FF2B5EF4-FFF2-40B4-BE49-F238E27FC236}">
+                <a16:creationId xmlns:a16="http://schemas.microsoft.com/office/drawing/2014/main" id="{2633B3B5-CC90-43F0-8714-D31D1F3F0209}"/>
+              </a:ext>
+              <a:ext uri="{C183D7F6-B498-43B3-948B-1728B52AA6E4}">
+                <adec:decorative xmlns:adec="http://schemas.microsoft.com/office/drawing/2017/decorative" val="1"/>
+              </a:ext>
+            </a:extLst>
+          </p:cNvPr>
+          <p:cNvSpPr>
+            <a:spLocks noGrp="1" noRot="1" noChangeAspect="1" noMove="1" noResize="1" noEditPoints="1" noAdjustHandles="1" noChangeArrowheads="1" noChangeShapeType="1" noTextEdit="1"/>
+          </p:cNvSpPr>
+          <p:nvPr>
+            <p:extLst>
+              <p:ext uri="{386F3935-93C4-4BCD-93E2-E3B085C9AB24}">
+                <p16:designElem xmlns:p16="http://schemas.microsoft.com/office/powerpoint/2015/main" val="1"/>
+              </p:ext>
+            </p:extLst>
+          </p:nvPr>
+        </p:nvSpPr>
+        <p:spPr>
+          <a:xfrm rot="10800000" flipH="1">
+            <a:off x="-2311" y="0"/>
+            <a:ext cx="9070846" cy="6857572"/>
+          </a:xfrm>
+          <a:prstGeom prst="rect">
+            <a:avLst/>
+          </a:prstGeom>
+          <a:gradFill>
+            <a:gsLst>
+              <a:gs pos="8000">
+                <a:srgbClr val="000000">
+                  <a:alpha val="52000"/>
+                </a:srgbClr>
+              </a:gs>
+              <a:gs pos="100000">
+                <a:schemeClr val="accent1"/>
+              </a:gs>
+            </a:gsLst>
+            <a:lin ang="4800000" scaled="0"/>
+          </a:gradFill>
+          <a:ln>
+            <a:noFill/>
+          </a:ln>
+        </p:spPr>
+        <p:style>
+          <a:lnRef idx="2">
+            <a:schemeClr val="accent1">
+              <a:shade val="50000"/>
+            </a:schemeClr>
+          </a:lnRef>
+          <a:fillRef idx="1">
+            <a:schemeClr val="accent1"/>
+          </a:fillRef>
+          <a:effectRef idx="0">
+            <a:schemeClr val="accent1"/>
+          </a:effectRef>
+          <a:fontRef idx="minor">
+            <a:schemeClr val="lt1"/>
+          </a:fontRef>
+        </p:style>
+        <p:txBody>
+          <a:bodyPr rtlCol="0" anchor="ctr"/>
+          <a:lstStyle/>
+          <a:p>
+            <a:pPr algn="ctr"/>
+            <a:endParaRPr lang="en-US"/>
+          </a:p>
+        </p:txBody>
+      </p:sp>
+      <p:sp>
+        <p:nvSpPr>
+          <p:cNvPr id="13" name="Rectangle 12">
+            <a:extLst>
+              <a:ext uri="{FF2B5EF4-FFF2-40B4-BE49-F238E27FC236}">
+                <a16:creationId xmlns:a16="http://schemas.microsoft.com/office/drawing/2014/main" id="{A8D57A06-A426-446D-B02C-A2DC6B62E45E}"/>
+              </a:ext>
+              <a:ext uri="{C183D7F6-B498-43B3-948B-1728B52AA6E4}">
+                <adec:decorative xmlns:adec="http://schemas.microsoft.com/office/drawing/2017/decorative" val="1"/>
+              </a:ext>
+            </a:extLst>
+          </p:cNvPr>
+          <p:cNvSpPr>
+            <a:spLocks noGrp="1" noRot="1" noChangeAspect="1" noMove="1" noResize="1" noEditPoints="1" noAdjustHandles="1" noChangeArrowheads="1" noChangeShapeType="1" noTextEdit="1"/>
+          </p:cNvSpPr>
+          <p:nvPr>
+            <p:extLst>
+              <p:ext uri="{386F3935-93C4-4BCD-93E2-E3B085C9AB24}">
+                <p16:designElem xmlns:p16="http://schemas.microsoft.com/office/powerpoint/2015/main" val="1"/>
+              </p:ext>
+            </p:extLst>
+          </p:nvPr>
+        </p:nvSpPr>
+        <p:spPr>
+          <a:xfrm rot="16200000" flipH="1">
+            <a:off x="3649491" y="-1685840"/>
+            <a:ext cx="4894564" cy="12193546"/>
+          </a:xfrm>
+          <a:prstGeom prst="rect">
+            <a:avLst/>
+          </a:prstGeom>
+          <a:gradFill>
+            <a:gsLst>
+              <a:gs pos="0">
+                <a:schemeClr val="accent5">
+                  <a:lumMod val="60000"/>
+                  <a:lumOff val="40000"/>
+                  <a:alpha val="0"/>
+                </a:schemeClr>
+              </a:gs>
+              <a:gs pos="100000">
+                <a:srgbClr val="000000">
+                  <a:alpha val="46000"/>
+                </a:srgbClr>
+              </a:gs>
+            </a:gsLst>
+            <a:lin ang="1200000" scaled="0"/>
+          </a:gradFill>
+          <a:ln>
+            <a:noFill/>
+          </a:ln>
+        </p:spPr>
+        <p:style>
+          <a:lnRef idx="2">
+            <a:schemeClr val="accent1">
+              <a:shade val="50000"/>
+            </a:schemeClr>
+          </a:lnRef>
+          <a:fillRef idx="1">
+            <a:schemeClr val="accent1"/>
+          </a:fillRef>
+          <a:effectRef idx="0">
+            <a:schemeClr val="accent1"/>
+          </a:effectRef>
+          <a:fontRef idx="minor">
+            <a:schemeClr val="lt1"/>
+          </a:fontRef>
+        </p:style>
+        <p:txBody>
+          <a:bodyPr rtlCol="0" anchor="ctr"/>
+          <a:lstStyle/>
+          <a:p>
+            <a:pPr algn="ctr"/>
+            <a:endParaRPr lang="en-US"/>
+          </a:p>
+        </p:txBody>
+      </p:sp>
+      <p:pic>
+        <p:nvPicPr>
+          <p:cNvPr id="2" name="Picture 1" descr="A screenshot of a computer&#10;&#10;Description automatically generated">
+            <a:extLst>
+              <a:ext uri="{FF2B5EF4-FFF2-40B4-BE49-F238E27FC236}">
+                <a16:creationId xmlns:a16="http://schemas.microsoft.com/office/drawing/2014/main" id="{FA374AA3-2B41-F450-5845-A3D9AF018522}"/>
+              </a:ext>
+            </a:extLst>
+          </p:cNvPr>
+          <p:cNvPicPr>
+            <a:picLocks noChangeAspect="1"/>
+          </p:cNvPicPr>
+          <p:nvPr/>
+        </p:nvPicPr>
+        <p:blipFill>
+          <a:blip r:embed="rId2" cstate="print">
+            <a:extLst>
+              <a:ext uri="{28A0092B-C50C-407E-A947-70E740481C1C}">
+                <a14:useLocalDpi xmlns:a14="http://schemas.microsoft.com/office/drawing/2010/main" val="0"/>
+              </a:ext>
+            </a:extLst>
+          </a:blip>
+          <a:stretch>
+            <a:fillRect/>
+          </a:stretch>
+        </p:blipFill>
+        <p:spPr>
+          <a:xfrm>
+            <a:off x="1850571" y="457200"/>
+            <a:ext cx="8490858" cy="5943600"/>
+          </a:xfrm>
+          <a:prstGeom prst="rect">
+            <a:avLst/>
+          </a:prstGeom>
+        </p:spPr>
+      </p:pic>
+    </p:spTree>
+    <p:extLst>
+      <p:ext uri="{BB962C8B-B14F-4D97-AF65-F5344CB8AC3E}">
+        <p14:creationId xmlns:p14="http://schemas.microsoft.com/office/powerpoint/2010/main" val="925792232"/>
+      </p:ext>
+    </p:extLst>
+  </p:cSld>
+  <p:clrMapOvr>
+    <a:masterClrMapping/>
+  </p:clrMapOvr>
+</p:sld>
+</file>
+
+<file path=ppt/slides/slide26.xml><?xml version="1.0" encoding="utf-8"?>
+<p:sld xmlns:a="http://schemas.openxmlformats.org/drawingml/2006/main" xmlns:r="http://schemas.openxmlformats.org/officeDocument/2006/relationships" xmlns:p="http://schemas.openxmlformats.org/presentationml/2006/main">
+  <p:cSld>
+    <p:bg>
+      <p:bgPr>
+        <a:solidFill>
+          <a:schemeClr val="bg1"/>
+        </a:solidFill>
+        <a:effectLst/>
+      </p:bgPr>
+    </p:bg>
+    <p:spTree>
+      <p:nvGrpSpPr>
+        <p:cNvPr id="1" name=""/>
+        <p:cNvGrpSpPr/>
+        <p:nvPr/>
+      </p:nvGrpSpPr>
+      <p:grpSpPr>
+        <a:xfrm>
+          <a:off x="0" y="0"/>
+          <a:ext cx="0" cy="0"/>
+          <a:chOff x="0" y="0"/>
+          <a:chExt cx="0" cy="0"/>
+        </a:xfrm>
+      </p:grpSpPr>
+      <p:sp useBgFill="1">
+        <p:nvSpPr>
+          <p:cNvPr id="18" name="Rectangle 17">
+            <a:extLst>
+              <a:ext uri="{FF2B5EF4-FFF2-40B4-BE49-F238E27FC236}">
+                <a16:creationId xmlns:a16="http://schemas.microsoft.com/office/drawing/2014/main" id="{AB8C311F-7253-4AED-9701-7FC0708C41C7}"/>
+              </a:ext>
+              <a:ext uri="{C183D7F6-B498-43B3-948B-1728B52AA6E4}">
+                <adec:decorative xmlns:adec="http://schemas.microsoft.com/office/drawing/2017/decorative" val="1"/>
+              </a:ext>
+            </a:extLst>
+          </p:cNvPr>
+          <p:cNvSpPr>
+            <a:spLocks noGrp="1" noRot="1" noChangeAspect="1" noMove="1" noResize="1" noEditPoints="1" noAdjustHandles="1" noChangeArrowheads="1" noChangeShapeType="1" noTextEdit="1"/>
+          </p:cNvSpPr>
+          <p:nvPr>
+            <p:extLst>
+              <p:ext uri="{386F3935-93C4-4BCD-93E2-E3B085C9AB24}">
+                <p16:designElem xmlns:p16="http://schemas.microsoft.com/office/powerpoint/2015/main" val="1"/>
+              </p:ext>
+            </p:extLst>
+          </p:nvPr>
+        </p:nvSpPr>
+        <p:spPr>
+          <a:xfrm>
+            <a:off x="0" y="0"/>
+            <a:ext cx="12192000" cy="6858000"/>
+          </a:xfrm>
+          <a:prstGeom prst="rect">
+            <a:avLst/>
+          </a:prstGeom>
+          <a:ln w="12700" cap="flat" cmpd="sng" algn="ctr">
+            <a:noFill/>
+            <a:prstDash val="solid"/>
+            <a:miter lim="800000"/>
+          </a:ln>
+          <a:effectLst/>
+          <a:extLst>
+            <a:ext uri="{91240B29-F687-4F45-9708-019B960494DF}">
+              <a14:hiddenLine xmlns:a14="http://schemas.microsoft.com/office/drawing/2010/main" w="12700" cap="flat" cmpd="sng" algn="ctr">
+                <a:solidFill>
+                  <a:schemeClr val="accent1">
+                    <a:shade val="50000"/>
+                  </a:schemeClr>
+                </a:solidFill>
+                <a:prstDash val="solid"/>
+                <a:miter lim="800000"/>
+              </a14:hiddenLine>
+            </a:ext>
+          </a:extLst>
+        </p:spPr>
+        <p:style>
+          <a:lnRef idx="2">
+            <a:schemeClr val="accent1">
+              <a:shade val="50000"/>
+            </a:schemeClr>
+          </a:lnRef>
+          <a:fillRef idx="1">
+            <a:schemeClr val="accent1"/>
+          </a:fillRef>
+          <a:effectRef idx="0">
+            <a:schemeClr val="accent1"/>
+          </a:effectRef>
+          <a:fontRef idx="minor">
+            <a:schemeClr val="lt1"/>
+          </a:fontRef>
+        </p:style>
+        <p:txBody>
+          <a:bodyPr rtlCol="0" anchor="ctr"/>
+          <a:lstStyle/>
+          <a:p>
+            <a:pPr algn="ctr"/>
+            <a:endParaRPr lang="en-US"/>
+          </a:p>
+        </p:txBody>
+      </p:sp>
+      <p:sp>
+        <p:nvSpPr>
+          <p:cNvPr id="20" name="Rectangle 19">
+            <a:extLst>
+              <a:ext uri="{FF2B5EF4-FFF2-40B4-BE49-F238E27FC236}">
+                <a16:creationId xmlns:a16="http://schemas.microsoft.com/office/drawing/2014/main" id="{E2384209-CB15-4CDF-9D31-C44FD9A3F20D}"/>
+              </a:ext>
+              <a:ext uri="{C183D7F6-B498-43B3-948B-1728B52AA6E4}">
+                <adec:decorative xmlns:adec="http://schemas.microsoft.com/office/drawing/2017/decorative" val="1"/>
+              </a:ext>
+            </a:extLst>
+          </p:cNvPr>
+          <p:cNvSpPr>
+            <a:spLocks noGrp="1" noRot="1" noChangeAspect="1" noMove="1" noResize="1" noEditPoints="1" noAdjustHandles="1" noChangeArrowheads="1" noChangeShapeType="1" noTextEdit="1"/>
+          </p:cNvSpPr>
+          <p:nvPr>
+            <p:extLst>
+              <p:ext uri="{386F3935-93C4-4BCD-93E2-E3B085C9AB24}">
+                <p16:designElem xmlns:p16="http://schemas.microsoft.com/office/powerpoint/2015/main" val="1"/>
+              </p:ext>
+            </p:extLst>
+          </p:nvPr>
+        </p:nvSpPr>
+        <p:spPr>
+          <a:xfrm rot="16200000" flipH="1">
+            <a:off x="2666617" y="-2666188"/>
+            <a:ext cx="6858000" cy="12191233"/>
+          </a:xfrm>
+          <a:prstGeom prst="rect">
+            <a:avLst/>
+          </a:prstGeom>
+          <a:gradFill>
+            <a:gsLst>
+              <a:gs pos="8000">
+                <a:schemeClr val="accent1"/>
+              </a:gs>
+              <a:gs pos="100000">
+                <a:schemeClr val="accent1">
+                  <a:lumMod val="50000"/>
+                </a:schemeClr>
+              </a:gs>
+            </a:gsLst>
+            <a:lin ang="12000000" scaled="0"/>
+          </a:gradFill>
+          <a:ln>
+            <a:noFill/>
+          </a:ln>
+        </p:spPr>
+        <p:style>
+          <a:lnRef idx="2">
+            <a:schemeClr val="accent1">
+              <a:shade val="50000"/>
+            </a:schemeClr>
+          </a:lnRef>
+          <a:fillRef idx="1">
+            <a:schemeClr val="accent1"/>
+          </a:fillRef>
+          <a:effectRef idx="0">
+            <a:schemeClr val="accent1"/>
+          </a:effectRef>
+          <a:fontRef idx="minor">
+            <a:schemeClr val="lt1"/>
+          </a:fontRef>
+        </p:style>
+        <p:txBody>
+          <a:bodyPr rtlCol="0" anchor="ctr"/>
+          <a:lstStyle/>
+          <a:p>
+            <a:pPr algn="ctr"/>
+            <a:endParaRPr lang="en-US"/>
+          </a:p>
+        </p:txBody>
+      </p:sp>
+      <p:sp>
+        <p:nvSpPr>
+          <p:cNvPr id="22" name="Rectangle 21">
+            <a:extLst>
+              <a:ext uri="{FF2B5EF4-FFF2-40B4-BE49-F238E27FC236}">
+                <a16:creationId xmlns:a16="http://schemas.microsoft.com/office/drawing/2014/main" id="{2633B3B5-CC90-43F0-8714-D31D1F3F0209}"/>
+              </a:ext>
+              <a:ext uri="{C183D7F6-B498-43B3-948B-1728B52AA6E4}">
+                <adec:decorative xmlns:adec="http://schemas.microsoft.com/office/drawing/2017/decorative" val="1"/>
+              </a:ext>
+            </a:extLst>
+          </p:cNvPr>
+          <p:cNvSpPr>
+            <a:spLocks noGrp="1" noRot="1" noChangeAspect="1" noMove="1" noResize="1" noEditPoints="1" noAdjustHandles="1" noChangeArrowheads="1" noChangeShapeType="1" noTextEdit="1"/>
+          </p:cNvSpPr>
+          <p:nvPr>
+            <p:extLst>
+              <p:ext uri="{386F3935-93C4-4BCD-93E2-E3B085C9AB24}">
+                <p16:designElem xmlns:p16="http://schemas.microsoft.com/office/powerpoint/2015/main" val="1"/>
+              </p:ext>
+            </p:extLst>
+          </p:nvPr>
+        </p:nvSpPr>
+        <p:spPr>
+          <a:xfrm rot="10800000" flipH="1">
+            <a:off x="-2311" y="0"/>
+            <a:ext cx="9070846" cy="6857572"/>
+          </a:xfrm>
+          <a:prstGeom prst="rect">
+            <a:avLst/>
+          </a:prstGeom>
+          <a:gradFill>
+            <a:gsLst>
+              <a:gs pos="8000">
+                <a:srgbClr val="000000">
+                  <a:alpha val="52000"/>
+                </a:srgbClr>
+              </a:gs>
+              <a:gs pos="100000">
+                <a:schemeClr val="accent1"/>
+              </a:gs>
+            </a:gsLst>
+            <a:lin ang="4800000" scaled="0"/>
+          </a:gradFill>
+          <a:ln>
+            <a:noFill/>
+          </a:ln>
+        </p:spPr>
+        <p:style>
+          <a:lnRef idx="2">
+            <a:schemeClr val="accent1">
+              <a:shade val="50000"/>
+            </a:schemeClr>
+          </a:lnRef>
+          <a:fillRef idx="1">
+            <a:schemeClr val="accent1"/>
+          </a:fillRef>
+          <a:effectRef idx="0">
+            <a:schemeClr val="accent1"/>
+          </a:effectRef>
+          <a:fontRef idx="minor">
+            <a:schemeClr val="lt1"/>
+          </a:fontRef>
+        </p:style>
+        <p:txBody>
+          <a:bodyPr rtlCol="0" anchor="ctr"/>
+          <a:lstStyle/>
+          <a:p>
+            <a:pPr algn="ctr"/>
+            <a:endParaRPr lang="en-US"/>
+          </a:p>
+        </p:txBody>
+      </p:sp>
+      <p:sp>
+        <p:nvSpPr>
+          <p:cNvPr id="24" name="Rectangle 23">
+            <a:extLst>
+              <a:ext uri="{FF2B5EF4-FFF2-40B4-BE49-F238E27FC236}">
+                <a16:creationId xmlns:a16="http://schemas.microsoft.com/office/drawing/2014/main" id="{A8D57A06-A426-446D-B02C-A2DC6B62E45E}"/>
+              </a:ext>
+              <a:ext uri="{C183D7F6-B498-43B3-948B-1728B52AA6E4}">
+                <adec:decorative xmlns:adec="http://schemas.microsoft.com/office/drawing/2017/decorative" val="1"/>
+              </a:ext>
+            </a:extLst>
+          </p:cNvPr>
+          <p:cNvSpPr>
+            <a:spLocks noGrp="1" noRot="1" noChangeAspect="1" noMove="1" noResize="1" noEditPoints="1" noAdjustHandles="1" noChangeArrowheads="1" noChangeShapeType="1" noTextEdit="1"/>
+          </p:cNvSpPr>
+          <p:nvPr>
+            <p:extLst>
+              <p:ext uri="{386F3935-93C4-4BCD-93E2-E3B085C9AB24}">
+                <p16:designElem xmlns:p16="http://schemas.microsoft.com/office/powerpoint/2015/main" val="1"/>
+              </p:ext>
+            </p:extLst>
+          </p:nvPr>
+        </p:nvSpPr>
+        <p:spPr>
+          <a:xfrm rot="16200000" flipH="1">
+            <a:off x="3649491" y="-1685840"/>
+            <a:ext cx="4894564" cy="12193546"/>
+          </a:xfrm>
+          <a:prstGeom prst="rect">
+            <a:avLst/>
+          </a:prstGeom>
+          <a:gradFill>
+            <a:gsLst>
+              <a:gs pos="0">
+                <a:schemeClr val="accent5">
+                  <a:lumMod val="60000"/>
+                  <a:lumOff val="40000"/>
+                  <a:alpha val="0"/>
+                </a:schemeClr>
+              </a:gs>
+              <a:gs pos="100000">
+                <a:srgbClr val="000000">
+                  <a:alpha val="46000"/>
+                </a:srgbClr>
+              </a:gs>
+            </a:gsLst>
+            <a:lin ang="1200000" scaled="0"/>
+          </a:gradFill>
+          <a:ln>
+            <a:noFill/>
+          </a:ln>
+        </p:spPr>
+        <p:style>
+          <a:lnRef idx="2">
+            <a:schemeClr val="accent1">
+              <a:shade val="50000"/>
+            </a:schemeClr>
+          </a:lnRef>
+          <a:fillRef idx="1">
+            <a:schemeClr val="accent1"/>
+          </a:fillRef>
+          <a:effectRef idx="0">
+            <a:schemeClr val="accent1"/>
+          </a:effectRef>
+          <a:fontRef idx="minor">
+            <a:schemeClr val="lt1"/>
+          </a:fontRef>
+        </p:style>
+        <p:txBody>
+          <a:bodyPr rtlCol="0" anchor="ctr"/>
+          <a:lstStyle/>
+          <a:p>
+            <a:pPr algn="ctr"/>
+            <a:endParaRPr lang="en-US"/>
+          </a:p>
+        </p:txBody>
+      </p:sp>
+      <p:pic>
+        <p:nvPicPr>
+          <p:cNvPr id="3" name="Picture 2" descr="A screenshot of a computer&#10;&#10;Description automatically generated">
+            <a:extLst>
+              <a:ext uri="{FF2B5EF4-FFF2-40B4-BE49-F238E27FC236}">
+                <a16:creationId xmlns:a16="http://schemas.microsoft.com/office/drawing/2014/main" id="{8F597D85-AF1D-831F-1C08-E5097F807B88}"/>
+              </a:ext>
+            </a:extLst>
+          </p:cNvPr>
+          <p:cNvPicPr>
+            <a:picLocks noChangeAspect="1"/>
+          </p:cNvPicPr>
+          <p:nvPr/>
+        </p:nvPicPr>
+        <p:blipFill>
+          <a:blip r:embed="rId2" cstate="print">
+            <a:extLst>
+              <a:ext uri="{28A0092B-C50C-407E-A947-70E740481C1C}">
+                <a14:useLocalDpi xmlns:a14="http://schemas.microsoft.com/office/drawing/2010/main" val="0"/>
+              </a:ext>
+            </a:extLst>
+          </a:blip>
+          <a:stretch>
+            <a:fillRect/>
+          </a:stretch>
+        </p:blipFill>
+        <p:spPr>
+          <a:xfrm>
+            <a:off x="1850571" y="457200"/>
+            <a:ext cx="8490858" cy="5943600"/>
+          </a:xfrm>
+          <a:prstGeom prst="rect">
+            <a:avLst/>
+          </a:prstGeom>
+        </p:spPr>
+      </p:pic>
+    </p:spTree>
+    <p:extLst>
+      <p:ext uri="{BB962C8B-B14F-4D97-AF65-F5344CB8AC3E}">
+        <p14:creationId xmlns:p14="http://schemas.microsoft.com/office/powerpoint/2010/main" val="872424667"/>
+      </p:ext>
+    </p:extLst>
+  </p:cSld>
+  <p:clrMapOvr>
+    <a:masterClrMapping/>
+  </p:clrMapOvr>
+</p:sld>
+</file>
+
+<file path=ppt/slides/slide27.xml><?xml version="1.0" encoding="utf-8"?>
+<p:sld xmlns:a="http://schemas.openxmlformats.org/drawingml/2006/main" xmlns:r="http://schemas.openxmlformats.org/officeDocument/2006/relationships" xmlns:p="http://schemas.openxmlformats.org/presentationml/2006/main">
+  <p:cSld>
+    <p:bg>
+      <p:bgPr>
+        <a:solidFill>
+          <a:schemeClr val="bg1"/>
+        </a:solidFill>
+        <a:effectLst/>
+      </p:bgPr>
+    </p:bg>
+    <p:spTree>
+      <p:nvGrpSpPr>
+        <p:cNvPr id="1" name=""/>
+        <p:cNvGrpSpPr/>
+        <p:nvPr/>
+      </p:nvGrpSpPr>
+      <p:grpSpPr>
+        <a:xfrm>
+          <a:off x="0" y="0"/>
+          <a:ext cx="0" cy="0"/>
+          <a:chOff x="0" y="0"/>
+          <a:chExt cx="0" cy="0"/>
+        </a:xfrm>
+      </p:grpSpPr>
+      <p:sp useBgFill="1">
+        <p:nvSpPr>
+          <p:cNvPr id="7" name="Rectangle 6">
+            <a:extLst>
+              <a:ext uri="{FF2B5EF4-FFF2-40B4-BE49-F238E27FC236}">
+                <a16:creationId xmlns:a16="http://schemas.microsoft.com/office/drawing/2014/main" id="{AB8C311F-7253-4AED-9701-7FC0708C41C7}"/>
+              </a:ext>
+              <a:ext uri="{C183D7F6-B498-43B3-948B-1728B52AA6E4}">
+                <adec:decorative xmlns:adec="http://schemas.microsoft.com/office/drawing/2017/decorative" val="1"/>
+              </a:ext>
+            </a:extLst>
+          </p:cNvPr>
+          <p:cNvSpPr>
+            <a:spLocks noGrp="1" noRot="1" noChangeAspect="1" noMove="1" noResize="1" noEditPoints="1" noAdjustHandles="1" noChangeArrowheads="1" noChangeShapeType="1" noTextEdit="1"/>
+          </p:cNvSpPr>
+          <p:nvPr>
+            <p:extLst>
+              <p:ext uri="{386F3935-93C4-4BCD-93E2-E3B085C9AB24}">
+                <p16:designElem xmlns:p16="http://schemas.microsoft.com/office/powerpoint/2015/main" val="1"/>
+              </p:ext>
+            </p:extLst>
+          </p:nvPr>
+        </p:nvSpPr>
+        <p:spPr>
+          <a:xfrm>
+            <a:off x="0" y="0"/>
+            <a:ext cx="12192000" cy="6858000"/>
+          </a:xfrm>
+          <a:prstGeom prst="rect">
+            <a:avLst/>
+          </a:prstGeom>
+          <a:ln w="12700" cap="flat" cmpd="sng" algn="ctr">
+            <a:noFill/>
+            <a:prstDash val="solid"/>
+            <a:miter lim="800000"/>
+          </a:ln>
+          <a:effectLst/>
+          <a:extLst>
+            <a:ext uri="{91240B29-F687-4F45-9708-019B960494DF}">
+              <a14:hiddenLine xmlns:a14="http://schemas.microsoft.com/office/drawing/2010/main" w="12700" cap="flat" cmpd="sng" algn="ctr">
+                <a:solidFill>
+                  <a:schemeClr val="accent1">
+                    <a:shade val="50000"/>
+                  </a:schemeClr>
+                </a:solidFill>
+                <a:prstDash val="solid"/>
+                <a:miter lim="800000"/>
+              </a14:hiddenLine>
+            </a:ext>
+          </a:extLst>
+        </p:spPr>
+        <p:style>
+          <a:lnRef idx="2">
+            <a:schemeClr val="accent1">
+              <a:shade val="50000"/>
+            </a:schemeClr>
+          </a:lnRef>
+          <a:fillRef idx="1">
+            <a:schemeClr val="accent1"/>
+          </a:fillRef>
+          <a:effectRef idx="0">
+            <a:schemeClr val="accent1"/>
+          </a:effectRef>
+          <a:fontRef idx="minor">
+            <a:schemeClr val="lt1"/>
+          </a:fontRef>
+        </p:style>
+        <p:txBody>
+          <a:bodyPr rtlCol="0" anchor="ctr"/>
+          <a:lstStyle/>
+          <a:p>
+            <a:pPr algn="ctr"/>
+            <a:endParaRPr lang="en-US"/>
+          </a:p>
+        </p:txBody>
+      </p:sp>
+      <p:sp>
+        <p:nvSpPr>
+          <p:cNvPr id="9" name="Rectangle 8">
+            <a:extLst>
+              <a:ext uri="{FF2B5EF4-FFF2-40B4-BE49-F238E27FC236}">
+                <a16:creationId xmlns:a16="http://schemas.microsoft.com/office/drawing/2014/main" id="{E2384209-CB15-4CDF-9D31-C44FD9A3F20D}"/>
+              </a:ext>
+              <a:ext uri="{C183D7F6-B498-43B3-948B-1728B52AA6E4}">
+                <adec:decorative xmlns:adec="http://schemas.microsoft.com/office/drawing/2017/decorative" val="1"/>
+              </a:ext>
+            </a:extLst>
+          </p:cNvPr>
+          <p:cNvSpPr>
+            <a:spLocks noGrp="1" noRot="1" noChangeAspect="1" noMove="1" noResize="1" noEditPoints="1" noAdjustHandles="1" noChangeArrowheads="1" noChangeShapeType="1" noTextEdit="1"/>
+          </p:cNvSpPr>
+          <p:nvPr>
+            <p:extLst>
+              <p:ext uri="{386F3935-93C4-4BCD-93E2-E3B085C9AB24}">
+                <p16:designElem xmlns:p16="http://schemas.microsoft.com/office/powerpoint/2015/main" val="1"/>
+              </p:ext>
+            </p:extLst>
+          </p:nvPr>
+        </p:nvSpPr>
+        <p:spPr>
+          <a:xfrm rot="16200000" flipH="1">
+            <a:off x="2666617" y="-2666188"/>
+            <a:ext cx="6858000" cy="12191233"/>
+          </a:xfrm>
+          <a:prstGeom prst="rect">
+            <a:avLst/>
+          </a:prstGeom>
+          <a:gradFill>
+            <a:gsLst>
+              <a:gs pos="8000">
+                <a:schemeClr val="accent1"/>
+              </a:gs>
+              <a:gs pos="100000">
+                <a:schemeClr val="accent1">
+                  <a:lumMod val="50000"/>
+                </a:schemeClr>
+              </a:gs>
+            </a:gsLst>
+            <a:lin ang="12000000" scaled="0"/>
+          </a:gradFill>
+          <a:ln>
+            <a:noFill/>
+          </a:ln>
+        </p:spPr>
+        <p:style>
+          <a:lnRef idx="2">
+            <a:schemeClr val="accent1">
+              <a:shade val="50000"/>
+            </a:schemeClr>
+          </a:lnRef>
+          <a:fillRef idx="1">
+            <a:schemeClr val="accent1"/>
+          </a:fillRef>
+          <a:effectRef idx="0">
+            <a:schemeClr val="accent1"/>
+          </a:effectRef>
+          <a:fontRef idx="minor">
+            <a:schemeClr val="lt1"/>
+          </a:fontRef>
+        </p:style>
+        <p:txBody>
+          <a:bodyPr rtlCol="0" anchor="ctr"/>
+          <a:lstStyle/>
+          <a:p>
+            <a:pPr algn="ctr"/>
+            <a:endParaRPr lang="en-US"/>
+          </a:p>
+        </p:txBody>
+      </p:sp>
+      <p:sp>
+        <p:nvSpPr>
+          <p:cNvPr id="11" name="Rectangle 10">
+            <a:extLst>
+              <a:ext uri="{FF2B5EF4-FFF2-40B4-BE49-F238E27FC236}">
+                <a16:creationId xmlns:a16="http://schemas.microsoft.com/office/drawing/2014/main" id="{2633B3B5-CC90-43F0-8714-D31D1F3F0209}"/>
+              </a:ext>
+              <a:ext uri="{C183D7F6-B498-43B3-948B-1728B52AA6E4}">
+                <adec:decorative xmlns:adec="http://schemas.microsoft.com/office/drawing/2017/decorative" val="1"/>
+              </a:ext>
+            </a:extLst>
+          </p:cNvPr>
+          <p:cNvSpPr>
+            <a:spLocks noGrp="1" noRot="1" noChangeAspect="1" noMove="1" noResize="1" noEditPoints="1" noAdjustHandles="1" noChangeArrowheads="1" noChangeShapeType="1" noTextEdit="1"/>
+          </p:cNvSpPr>
+          <p:nvPr>
+            <p:extLst>
+              <p:ext uri="{386F3935-93C4-4BCD-93E2-E3B085C9AB24}">
+                <p16:designElem xmlns:p16="http://schemas.microsoft.com/office/powerpoint/2015/main" val="1"/>
+              </p:ext>
+            </p:extLst>
+          </p:nvPr>
+        </p:nvSpPr>
+        <p:spPr>
+          <a:xfrm rot="10800000" flipH="1">
+            <a:off x="-2311" y="0"/>
+            <a:ext cx="9070846" cy="6857572"/>
+          </a:xfrm>
+          <a:prstGeom prst="rect">
+            <a:avLst/>
+          </a:prstGeom>
+          <a:gradFill>
+            <a:gsLst>
+              <a:gs pos="8000">
+                <a:srgbClr val="000000">
+                  <a:alpha val="52000"/>
+                </a:srgbClr>
+              </a:gs>
+              <a:gs pos="100000">
+                <a:schemeClr val="accent1"/>
+              </a:gs>
+            </a:gsLst>
+            <a:lin ang="4800000" scaled="0"/>
+          </a:gradFill>
+          <a:ln>
+            <a:noFill/>
+          </a:ln>
+        </p:spPr>
+        <p:style>
+          <a:lnRef idx="2">
+            <a:schemeClr val="accent1">
+              <a:shade val="50000"/>
+            </a:schemeClr>
+          </a:lnRef>
+          <a:fillRef idx="1">
+            <a:schemeClr val="accent1"/>
+          </a:fillRef>
+          <a:effectRef idx="0">
+            <a:schemeClr val="accent1"/>
+          </a:effectRef>
+          <a:fontRef idx="minor">
+            <a:schemeClr val="lt1"/>
+          </a:fontRef>
+        </p:style>
+        <p:txBody>
+          <a:bodyPr rtlCol="0" anchor="ctr"/>
+          <a:lstStyle/>
+          <a:p>
+            <a:pPr algn="ctr"/>
+            <a:endParaRPr lang="en-US"/>
+          </a:p>
+        </p:txBody>
+      </p:sp>
+      <p:sp>
+        <p:nvSpPr>
+          <p:cNvPr id="13" name="Rectangle 12">
+            <a:extLst>
+              <a:ext uri="{FF2B5EF4-FFF2-40B4-BE49-F238E27FC236}">
+                <a16:creationId xmlns:a16="http://schemas.microsoft.com/office/drawing/2014/main" id="{A8D57A06-A426-446D-B02C-A2DC6B62E45E}"/>
+              </a:ext>
+              <a:ext uri="{C183D7F6-B498-43B3-948B-1728B52AA6E4}">
+                <adec:decorative xmlns:adec="http://schemas.microsoft.com/office/drawing/2017/decorative" val="1"/>
+              </a:ext>
+            </a:extLst>
+          </p:cNvPr>
+          <p:cNvSpPr>
+            <a:spLocks noGrp="1" noRot="1" noChangeAspect="1" noMove="1" noResize="1" noEditPoints="1" noAdjustHandles="1" noChangeArrowheads="1" noChangeShapeType="1" noTextEdit="1"/>
+          </p:cNvSpPr>
+          <p:nvPr>
+            <p:extLst>
+              <p:ext uri="{386F3935-93C4-4BCD-93E2-E3B085C9AB24}">
+                <p16:designElem xmlns:p16="http://schemas.microsoft.com/office/powerpoint/2015/main" val="1"/>
+              </p:ext>
+            </p:extLst>
+          </p:nvPr>
+        </p:nvSpPr>
+        <p:spPr>
+          <a:xfrm rot="16200000" flipH="1">
+            <a:off x="3649491" y="-1685840"/>
+            <a:ext cx="4894564" cy="12193546"/>
+          </a:xfrm>
+          <a:prstGeom prst="rect">
+            <a:avLst/>
+          </a:prstGeom>
+          <a:gradFill>
+            <a:gsLst>
+              <a:gs pos="0">
+                <a:schemeClr val="accent5">
+                  <a:lumMod val="60000"/>
+                  <a:lumOff val="40000"/>
+                  <a:alpha val="0"/>
+                </a:schemeClr>
+              </a:gs>
+              <a:gs pos="100000">
+                <a:srgbClr val="000000">
+                  <a:alpha val="46000"/>
+                </a:srgbClr>
+              </a:gs>
+            </a:gsLst>
+            <a:lin ang="1200000" scaled="0"/>
+          </a:gradFill>
+          <a:ln>
+            <a:noFill/>
+          </a:ln>
+        </p:spPr>
+        <p:style>
+          <a:lnRef idx="2">
+            <a:schemeClr val="accent1">
+              <a:shade val="50000"/>
+            </a:schemeClr>
+          </a:lnRef>
+          <a:fillRef idx="1">
+            <a:schemeClr val="accent1"/>
+          </a:fillRef>
+          <a:effectRef idx="0">
+            <a:schemeClr val="accent1"/>
+          </a:effectRef>
+          <a:fontRef idx="minor">
+            <a:schemeClr val="lt1"/>
+          </a:fontRef>
+        </p:style>
+        <p:txBody>
+          <a:bodyPr rtlCol="0" anchor="ctr"/>
+          <a:lstStyle/>
+          <a:p>
+            <a:pPr algn="ctr"/>
+            <a:endParaRPr lang="en-US"/>
+          </a:p>
+        </p:txBody>
+      </p:sp>
+      <p:pic>
+        <p:nvPicPr>
+          <p:cNvPr id="2" name="Picture 1" descr="A screenshot of a computer&#10;&#10;Description automatically generated">
+            <a:extLst>
+              <a:ext uri="{FF2B5EF4-FFF2-40B4-BE49-F238E27FC236}">
+                <a16:creationId xmlns:a16="http://schemas.microsoft.com/office/drawing/2014/main" id="{FFD94712-F9E8-27D5-6561-8A7993C5AC44}"/>
+              </a:ext>
+            </a:extLst>
+          </p:cNvPr>
+          <p:cNvPicPr>
+            <a:picLocks noChangeAspect="1"/>
+          </p:cNvPicPr>
+          <p:nvPr/>
+        </p:nvPicPr>
+        <p:blipFill>
+          <a:blip r:embed="rId2" cstate="print">
+            <a:extLst>
+              <a:ext uri="{28A0092B-C50C-407E-A947-70E740481C1C}">
+                <a14:useLocalDpi xmlns:a14="http://schemas.microsoft.com/office/drawing/2010/main" val="0"/>
+              </a:ext>
+            </a:extLst>
+          </a:blip>
+          <a:stretch>
+            <a:fillRect/>
+          </a:stretch>
+        </p:blipFill>
+        <p:spPr>
+          <a:xfrm>
+            <a:off x="1850571" y="457200"/>
+            <a:ext cx="8490858" cy="5943600"/>
+          </a:xfrm>
+          <a:prstGeom prst="rect">
+            <a:avLst/>
+          </a:prstGeom>
+        </p:spPr>
+      </p:pic>
+    </p:spTree>
+    <p:extLst>
+      <p:ext uri="{BB962C8B-B14F-4D97-AF65-F5344CB8AC3E}">
+        <p14:creationId xmlns:p14="http://schemas.microsoft.com/office/powerpoint/2010/main" val="2314060398"/>
+      </p:ext>
+    </p:extLst>
+  </p:cSld>
+  <p:clrMapOvr>
+    <a:masterClrMapping/>
+  </p:clrMapOvr>
+</p:sld>
+</file>
+
+<file path=ppt/slides/slide28.xml><?xml version="1.0" encoding="utf-8"?>
+<p:sld xmlns:a="http://schemas.openxmlformats.org/drawingml/2006/main" xmlns:r="http://schemas.openxmlformats.org/officeDocument/2006/relationships" xmlns:p="http://schemas.openxmlformats.org/presentationml/2006/main">
+  <p:cSld>
+    <p:bg>
+      <p:bgPr>
+        <a:solidFill>
+          <a:schemeClr val="bg1"/>
+        </a:solidFill>
+        <a:effectLst/>
+      </p:bgPr>
+    </p:bg>
+    <p:spTree>
+      <p:nvGrpSpPr>
+        <p:cNvPr id="1" name=""/>
+        <p:cNvGrpSpPr/>
+        <p:nvPr/>
+      </p:nvGrpSpPr>
+      <p:grpSpPr>
+        <a:xfrm>
+          <a:off x="0" y="0"/>
+          <a:ext cx="0" cy="0"/>
+          <a:chOff x="0" y="0"/>
+          <a:chExt cx="0" cy="0"/>
+        </a:xfrm>
+      </p:grpSpPr>
+      <p:sp useBgFill="1">
+        <p:nvSpPr>
+          <p:cNvPr id="7" name="Rectangle 6">
+            <a:extLst>
+              <a:ext uri="{FF2B5EF4-FFF2-40B4-BE49-F238E27FC236}">
+                <a16:creationId xmlns:a16="http://schemas.microsoft.com/office/drawing/2014/main" id="{AB8C311F-7253-4AED-9701-7FC0708C41C7}"/>
+              </a:ext>
+              <a:ext uri="{C183D7F6-B498-43B3-948B-1728B52AA6E4}">
+                <adec:decorative xmlns:adec="http://schemas.microsoft.com/office/drawing/2017/decorative" val="1"/>
+              </a:ext>
+            </a:extLst>
+          </p:cNvPr>
+          <p:cNvSpPr>
+            <a:spLocks noGrp="1" noRot="1" noChangeAspect="1" noMove="1" noResize="1" noEditPoints="1" noAdjustHandles="1" noChangeArrowheads="1" noChangeShapeType="1" noTextEdit="1"/>
+          </p:cNvSpPr>
+          <p:nvPr>
+            <p:extLst>
+              <p:ext uri="{386F3935-93C4-4BCD-93E2-E3B085C9AB24}">
+                <p16:designElem xmlns:p16="http://schemas.microsoft.com/office/powerpoint/2015/main" val="1"/>
+              </p:ext>
+            </p:extLst>
+          </p:nvPr>
+        </p:nvSpPr>
+        <p:spPr>
+          <a:xfrm>
+            <a:off x="0" y="0"/>
+            <a:ext cx="12192000" cy="6858000"/>
+          </a:xfrm>
+          <a:prstGeom prst="rect">
+            <a:avLst/>
+          </a:prstGeom>
+          <a:ln w="12700" cap="flat" cmpd="sng" algn="ctr">
+            <a:noFill/>
+            <a:prstDash val="solid"/>
+            <a:miter lim="800000"/>
+          </a:ln>
+          <a:effectLst/>
+          <a:extLst>
+            <a:ext uri="{91240B29-F687-4F45-9708-019B960494DF}">
+              <a14:hiddenLine xmlns:a14="http://schemas.microsoft.com/office/drawing/2010/main" w="12700" cap="flat" cmpd="sng" algn="ctr">
+                <a:solidFill>
+                  <a:schemeClr val="accent1">
+                    <a:shade val="50000"/>
+                  </a:schemeClr>
+                </a:solidFill>
+                <a:prstDash val="solid"/>
+                <a:miter lim="800000"/>
+              </a14:hiddenLine>
+            </a:ext>
+          </a:extLst>
+        </p:spPr>
+        <p:style>
+          <a:lnRef idx="2">
+            <a:schemeClr val="accent1">
+              <a:shade val="50000"/>
+            </a:schemeClr>
+          </a:lnRef>
+          <a:fillRef idx="1">
+            <a:schemeClr val="accent1"/>
+          </a:fillRef>
+          <a:effectRef idx="0">
+            <a:schemeClr val="accent1"/>
+          </a:effectRef>
+          <a:fontRef idx="minor">
+            <a:schemeClr val="lt1"/>
+          </a:fontRef>
+        </p:style>
+        <p:txBody>
+          <a:bodyPr rtlCol="0" anchor="ctr"/>
+          <a:lstStyle/>
+          <a:p>
+            <a:pPr algn="ctr"/>
+            <a:endParaRPr lang="en-US"/>
+          </a:p>
+        </p:txBody>
+      </p:sp>
+      <p:sp>
+        <p:nvSpPr>
+          <p:cNvPr id="9" name="Rectangle 8">
+            <a:extLst>
+              <a:ext uri="{FF2B5EF4-FFF2-40B4-BE49-F238E27FC236}">
+                <a16:creationId xmlns:a16="http://schemas.microsoft.com/office/drawing/2014/main" id="{E2384209-CB15-4CDF-9D31-C44FD9A3F20D}"/>
+              </a:ext>
+              <a:ext uri="{C183D7F6-B498-43B3-948B-1728B52AA6E4}">
+                <adec:decorative xmlns:adec="http://schemas.microsoft.com/office/drawing/2017/decorative" val="1"/>
+              </a:ext>
+            </a:extLst>
+          </p:cNvPr>
+          <p:cNvSpPr>
+            <a:spLocks noGrp="1" noRot="1" noChangeAspect="1" noMove="1" noResize="1" noEditPoints="1" noAdjustHandles="1" noChangeArrowheads="1" noChangeShapeType="1" noTextEdit="1"/>
+          </p:cNvSpPr>
+          <p:nvPr>
+            <p:extLst>
+              <p:ext uri="{386F3935-93C4-4BCD-93E2-E3B085C9AB24}">
+                <p16:designElem xmlns:p16="http://schemas.microsoft.com/office/powerpoint/2015/main" val="1"/>
+              </p:ext>
+            </p:extLst>
+          </p:nvPr>
+        </p:nvSpPr>
+        <p:spPr>
+          <a:xfrm rot="16200000" flipH="1">
+            <a:off x="2666617" y="-2666188"/>
+            <a:ext cx="6858000" cy="12191233"/>
+          </a:xfrm>
+          <a:prstGeom prst="rect">
+            <a:avLst/>
+          </a:prstGeom>
+          <a:gradFill>
+            <a:gsLst>
+              <a:gs pos="8000">
+                <a:schemeClr val="accent1"/>
+              </a:gs>
+              <a:gs pos="100000">
+                <a:schemeClr val="accent1">
+                  <a:lumMod val="50000"/>
+                </a:schemeClr>
+              </a:gs>
+            </a:gsLst>
+            <a:lin ang="12000000" scaled="0"/>
+          </a:gradFill>
+          <a:ln>
+            <a:noFill/>
+          </a:ln>
+        </p:spPr>
+        <p:style>
+          <a:lnRef idx="2">
+            <a:schemeClr val="accent1">
+              <a:shade val="50000"/>
+            </a:schemeClr>
+          </a:lnRef>
+          <a:fillRef idx="1">
+            <a:schemeClr val="accent1"/>
+          </a:fillRef>
+          <a:effectRef idx="0">
+            <a:schemeClr val="accent1"/>
+          </a:effectRef>
+          <a:fontRef idx="minor">
+            <a:schemeClr val="lt1"/>
+          </a:fontRef>
+        </p:style>
+        <p:txBody>
+          <a:bodyPr rtlCol="0" anchor="ctr"/>
+          <a:lstStyle/>
+          <a:p>
+            <a:pPr algn="ctr"/>
+            <a:endParaRPr lang="en-US"/>
+          </a:p>
+        </p:txBody>
+      </p:sp>
+      <p:sp>
+        <p:nvSpPr>
+          <p:cNvPr id="11" name="Rectangle 10">
+            <a:extLst>
+              <a:ext uri="{FF2B5EF4-FFF2-40B4-BE49-F238E27FC236}">
+                <a16:creationId xmlns:a16="http://schemas.microsoft.com/office/drawing/2014/main" id="{2633B3B5-CC90-43F0-8714-D31D1F3F0209}"/>
+              </a:ext>
+              <a:ext uri="{C183D7F6-B498-43B3-948B-1728B52AA6E4}">
+                <adec:decorative xmlns:adec="http://schemas.microsoft.com/office/drawing/2017/decorative" val="1"/>
+              </a:ext>
+            </a:extLst>
+          </p:cNvPr>
+          <p:cNvSpPr>
+            <a:spLocks noGrp="1" noRot="1" noChangeAspect="1" noMove="1" noResize="1" noEditPoints="1" noAdjustHandles="1" noChangeArrowheads="1" noChangeShapeType="1" noTextEdit="1"/>
+          </p:cNvSpPr>
+          <p:nvPr>
+            <p:extLst>
+              <p:ext uri="{386F3935-93C4-4BCD-93E2-E3B085C9AB24}">
+                <p16:designElem xmlns:p16="http://schemas.microsoft.com/office/powerpoint/2015/main" val="1"/>
+              </p:ext>
+            </p:extLst>
+          </p:nvPr>
+        </p:nvSpPr>
+        <p:spPr>
+          <a:xfrm rot="10800000" flipH="1">
+            <a:off x="-2311" y="0"/>
+            <a:ext cx="9070846" cy="6857572"/>
+          </a:xfrm>
+          <a:prstGeom prst="rect">
+            <a:avLst/>
+          </a:prstGeom>
+          <a:gradFill>
+            <a:gsLst>
+              <a:gs pos="8000">
+                <a:srgbClr val="000000">
+                  <a:alpha val="52000"/>
+                </a:srgbClr>
+              </a:gs>
+              <a:gs pos="100000">
+                <a:schemeClr val="accent1"/>
+              </a:gs>
+            </a:gsLst>
+            <a:lin ang="4800000" scaled="0"/>
+          </a:gradFill>
+          <a:ln>
+            <a:noFill/>
+          </a:ln>
+        </p:spPr>
+        <p:style>
+          <a:lnRef idx="2">
+            <a:schemeClr val="accent1">
+              <a:shade val="50000"/>
+            </a:schemeClr>
+          </a:lnRef>
+          <a:fillRef idx="1">
+            <a:schemeClr val="accent1"/>
+          </a:fillRef>
+          <a:effectRef idx="0">
+            <a:schemeClr val="accent1"/>
+          </a:effectRef>
+          <a:fontRef idx="minor">
+            <a:schemeClr val="lt1"/>
+          </a:fontRef>
+        </p:style>
+        <p:txBody>
+          <a:bodyPr rtlCol="0" anchor="ctr"/>
+          <a:lstStyle/>
+          <a:p>
+            <a:pPr algn="ctr"/>
+            <a:endParaRPr lang="en-US"/>
+          </a:p>
+        </p:txBody>
+      </p:sp>
+      <p:sp>
+        <p:nvSpPr>
+          <p:cNvPr id="13" name="Rectangle 12">
+            <a:extLst>
+              <a:ext uri="{FF2B5EF4-FFF2-40B4-BE49-F238E27FC236}">
+                <a16:creationId xmlns:a16="http://schemas.microsoft.com/office/drawing/2014/main" id="{A8D57A06-A426-446D-B02C-A2DC6B62E45E}"/>
+              </a:ext>
+              <a:ext uri="{C183D7F6-B498-43B3-948B-1728B52AA6E4}">
+                <adec:decorative xmlns:adec="http://schemas.microsoft.com/office/drawing/2017/decorative" val="1"/>
+              </a:ext>
+            </a:extLst>
+          </p:cNvPr>
+          <p:cNvSpPr>
+            <a:spLocks noGrp="1" noRot="1" noChangeAspect="1" noMove="1" noResize="1" noEditPoints="1" noAdjustHandles="1" noChangeArrowheads="1" noChangeShapeType="1" noTextEdit="1"/>
+          </p:cNvSpPr>
+          <p:nvPr>
+            <p:extLst>
+              <p:ext uri="{386F3935-93C4-4BCD-93E2-E3B085C9AB24}">
+                <p16:designElem xmlns:p16="http://schemas.microsoft.com/office/powerpoint/2015/main" val="1"/>
+              </p:ext>
+            </p:extLst>
+          </p:nvPr>
+        </p:nvSpPr>
+        <p:spPr>
+          <a:xfrm rot="16200000" flipH="1">
+            <a:off x="3649491" y="-1685840"/>
+            <a:ext cx="4894564" cy="12193546"/>
+          </a:xfrm>
+          <a:prstGeom prst="rect">
+            <a:avLst/>
+          </a:prstGeom>
+          <a:gradFill>
+            <a:gsLst>
+              <a:gs pos="0">
+                <a:schemeClr val="accent5">
+                  <a:lumMod val="60000"/>
+                  <a:lumOff val="40000"/>
+                  <a:alpha val="0"/>
+                </a:schemeClr>
+              </a:gs>
+              <a:gs pos="100000">
+                <a:srgbClr val="000000">
+                  <a:alpha val="46000"/>
+                </a:srgbClr>
+              </a:gs>
+            </a:gsLst>
+            <a:lin ang="1200000" scaled="0"/>
+          </a:gradFill>
+          <a:ln>
+            <a:noFill/>
+          </a:ln>
+        </p:spPr>
+        <p:style>
+          <a:lnRef idx="2">
+            <a:schemeClr val="accent1">
+              <a:shade val="50000"/>
+            </a:schemeClr>
+          </a:lnRef>
+          <a:fillRef idx="1">
+            <a:schemeClr val="accent1"/>
+          </a:fillRef>
+          <a:effectRef idx="0">
+            <a:schemeClr val="accent1"/>
+          </a:effectRef>
+          <a:fontRef idx="minor">
+            <a:schemeClr val="lt1"/>
+          </a:fontRef>
+        </p:style>
+        <p:txBody>
+          <a:bodyPr rtlCol="0" anchor="ctr"/>
+          <a:lstStyle/>
+          <a:p>
+            <a:pPr algn="ctr"/>
+            <a:endParaRPr lang="en-US"/>
+          </a:p>
+        </p:txBody>
+      </p:sp>
+      <p:pic>
+        <p:nvPicPr>
+          <p:cNvPr id="2" name="Picture 1" descr="A screenshot of a computer&#10;&#10;Description automatically generated">
+            <a:extLst>
+              <a:ext uri="{FF2B5EF4-FFF2-40B4-BE49-F238E27FC236}">
+                <a16:creationId xmlns:a16="http://schemas.microsoft.com/office/drawing/2014/main" id="{A63B9E71-84CE-AFF1-522A-B4777711E92E}"/>
+              </a:ext>
+            </a:extLst>
+          </p:cNvPr>
+          <p:cNvPicPr>
+            <a:picLocks noChangeAspect="1"/>
+          </p:cNvPicPr>
+          <p:nvPr/>
+        </p:nvPicPr>
+        <p:blipFill>
+          <a:blip r:embed="rId2" cstate="print">
+            <a:extLst>
+              <a:ext uri="{28A0092B-C50C-407E-A947-70E740481C1C}">
+                <a14:useLocalDpi xmlns:a14="http://schemas.microsoft.com/office/drawing/2010/main" val="0"/>
+              </a:ext>
+            </a:extLst>
+          </a:blip>
+          <a:stretch>
+            <a:fillRect/>
+          </a:stretch>
+        </p:blipFill>
+        <p:spPr>
+          <a:xfrm>
+            <a:off x="1850571" y="457200"/>
+            <a:ext cx="8490858" cy="5943600"/>
+          </a:xfrm>
+          <a:prstGeom prst="rect">
+            <a:avLst/>
+          </a:prstGeom>
+        </p:spPr>
+      </p:pic>
+    </p:spTree>
+    <p:extLst>
+      <p:ext uri="{BB962C8B-B14F-4D97-AF65-F5344CB8AC3E}">
+        <p14:creationId xmlns:p14="http://schemas.microsoft.com/office/powerpoint/2010/main" val="1977418053"/>
+      </p:ext>
+    </p:extLst>
+  </p:cSld>
+  <p:clrMapOvr>
+    <a:masterClrMapping/>
+  </p:clrMapOvr>
+</p:sld>
+</file>
+
+<file path=ppt/slides/slide29.xml><?xml version="1.0" encoding="utf-8"?>
+<p:sld xmlns:a="http://schemas.openxmlformats.org/drawingml/2006/main" xmlns:r="http://schemas.openxmlformats.org/officeDocument/2006/relationships" xmlns:p="http://schemas.openxmlformats.org/presentationml/2006/main">
+  <p:cSld>
+    <p:bg>
+      <p:bgPr>
+        <a:solidFill>
+          <a:schemeClr val="bg1"/>
+        </a:solidFill>
+        <a:effectLst/>
+      </p:bgPr>
+    </p:bg>
+    <p:spTree>
+      <p:nvGrpSpPr>
+        <p:cNvPr id="1" name=""/>
+        <p:cNvGrpSpPr/>
+        <p:nvPr/>
+      </p:nvGrpSpPr>
+      <p:grpSpPr>
+        <a:xfrm>
+          <a:off x="0" y="0"/>
+          <a:ext cx="0" cy="0"/>
+          <a:chOff x="0" y="0"/>
+          <a:chExt cx="0" cy="0"/>
+        </a:xfrm>
+      </p:grpSpPr>
+      <p:sp useBgFill="1">
+        <p:nvSpPr>
+          <p:cNvPr id="7" name="Rectangle 6">
+            <a:extLst>
+              <a:ext uri="{FF2B5EF4-FFF2-40B4-BE49-F238E27FC236}">
+                <a16:creationId xmlns:a16="http://schemas.microsoft.com/office/drawing/2014/main" id="{AB8C311F-7253-4AED-9701-7FC0708C41C7}"/>
+              </a:ext>
+              <a:ext uri="{C183D7F6-B498-43B3-948B-1728B52AA6E4}">
+                <adec:decorative xmlns:adec="http://schemas.microsoft.com/office/drawing/2017/decorative" val="1"/>
+              </a:ext>
+            </a:extLst>
+          </p:cNvPr>
+          <p:cNvSpPr>
+            <a:spLocks noGrp="1" noRot="1" noChangeAspect="1" noMove="1" noResize="1" noEditPoints="1" noAdjustHandles="1" noChangeArrowheads="1" noChangeShapeType="1" noTextEdit="1"/>
+          </p:cNvSpPr>
+          <p:nvPr>
+            <p:extLst>
+              <p:ext uri="{386F3935-93C4-4BCD-93E2-E3B085C9AB24}">
+                <p16:designElem xmlns:p16="http://schemas.microsoft.com/office/powerpoint/2015/main" val="1"/>
+              </p:ext>
+            </p:extLst>
+          </p:nvPr>
+        </p:nvSpPr>
+        <p:spPr>
+          <a:xfrm>
+            <a:off x="0" y="0"/>
+            <a:ext cx="12192000" cy="6858000"/>
+          </a:xfrm>
+          <a:prstGeom prst="rect">
+            <a:avLst/>
+          </a:prstGeom>
+          <a:ln w="12700" cap="flat" cmpd="sng" algn="ctr">
+            <a:noFill/>
+            <a:prstDash val="solid"/>
+            <a:miter lim="800000"/>
+          </a:ln>
+          <a:effectLst/>
+          <a:extLst>
+            <a:ext uri="{91240B29-F687-4F45-9708-019B960494DF}">
+              <a14:hiddenLine xmlns:a14="http://schemas.microsoft.com/office/drawing/2010/main" w="12700" cap="flat" cmpd="sng" algn="ctr">
+                <a:solidFill>
+                  <a:schemeClr val="accent1">
+                    <a:shade val="50000"/>
+                  </a:schemeClr>
+                </a:solidFill>
+                <a:prstDash val="solid"/>
+                <a:miter lim="800000"/>
+              </a14:hiddenLine>
+            </a:ext>
+          </a:extLst>
+        </p:spPr>
+        <p:style>
+          <a:lnRef idx="2">
+            <a:schemeClr val="accent1">
+              <a:shade val="50000"/>
+            </a:schemeClr>
+          </a:lnRef>
+          <a:fillRef idx="1">
+            <a:schemeClr val="accent1"/>
+          </a:fillRef>
+          <a:effectRef idx="0">
+            <a:schemeClr val="accent1"/>
+          </a:effectRef>
+          <a:fontRef idx="minor">
+            <a:schemeClr val="lt1"/>
+          </a:fontRef>
+        </p:style>
+        <p:txBody>
+          <a:bodyPr rtlCol="0" anchor="ctr"/>
+          <a:lstStyle/>
+          <a:p>
+            <a:pPr algn="ctr"/>
+            <a:endParaRPr lang="en-US"/>
+          </a:p>
+        </p:txBody>
+      </p:sp>
+      <p:sp>
+        <p:nvSpPr>
+          <p:cNvPr id="9" name="Rectangle 8">
+            <a:extLst>
+              <a:ext uri="{FF2B5EF4-FFF2-40B4-BE49-F238E27FC236}">
+                <a16:creationId xmlns:a16="http://schemas.microsoft.com/office/drawing/2014/main" id="{E2384209-CB15-4CDF-9D31-C44FD9A3F20D}"/>
+              </a:ext>
+              <a:ext uri="{C183D7F6-B498-43B3-948B-1728B52AA6E4}">
+                <adec:decorative xmlns:adec="http://schemas.microsoft.com/office/drawing/2017/decorative" val="1"/>
+              </a:ext>
+            </a:extLst>
+          </p:cNvPr>
+          <p:cNvSpPr>
+            <a:spLocks noGrp="1" noRot="1" noChangeAspect="1" noMove="1" noResize="1" noEditPoints="1" noAdjustHandles="1" noChangeArrowheads="1" noChangeShapeType="1" noTextEdit="1"/>
+          </p:cNvSpPr>
+          <p:nvPr>
+            <p:extLst>
+              <p:ext uri="{386F3935-93C4-4BCD-93E2-E3B085C9AB24}">
+                <p16:designElem xmlns:p16="http://schemas.microsoft.com/office/powerpoint/2015/main" val="1"/>
+              </p:ext>
+            </p:extLst>
+          </p:nvPr>
+        </p:nvSpPr>
+        <p:spPr>
+          <a:xfrm rot="16200000" flipH="1">
+            <a:off x="2666617" y="-2666188"/>
+            <a:ext cx="6858000" cy="12191233"/>
+          </a:xfrm>
+          <a:prstGeom prst="rect">
+            <a:avLst/>
+          </a:prstGeom>
+          <a:gradFill>
+            <a:gsLst>
+              <a:gs pos="8000">
+                <a:schemeClr val="accent1"/>
+              </a:gs>
+              <a:gs pos="100000">
+                <a:schemeClr val="accent1">
+                  <a:lumMod val="50000"/>
+                </a:schemeClr>
+              </a:gs>
+            </a:gsLst>
+            <a:lin ang="12000000" scaled="0"/>
+          </a:gradFill>
+          <a:ln>
+            <a:noFill/>
+          </a:ln>
+        </p:spPr>
+        <p:style>
+          <a:lnRef idx="2">
+            <a:schemeClr val="accent1">
+              <a:shade val="50000"/>
+            </a:schemeClr>
+          </a:lnRef>
+          <a:fillRef idx="1">
+            <a:schemeClr val="accent1"/>
+          </a:fillRef>
+          <a:effectRef idx="0">
+            <a:schemeClr val="accent1"/>
+          </a:effectRef>
+          <a:fontRef idx="minor">
+            <a:schemeClr val="lt1"/>
+          </a:fontRef>
+        </p:style>
+        <p:txBody>
+          <a:bodyPr rtlCol="0" anchor="ctr"/>
+          <a:lstStyle/>
+          <a:p>
+            <a:pPr algn="ctr"/>
+            <a:endParaRPr lang="en-US"/>
+          </a:p>
+        </p:txBody>
+      </p:sp>
+      <p:sp>
+        <p:nvSpPr>
+          <p:cNvPr id="11" name="Rectangle 10">
+            <a:extLst>
+              <a:ext uri="{FF2B5EF4-FFF2-40B4-BE49-F238E27FC236}">
+                <a16:creationId xmlns:a16="http://schemas.microsoft.com/office/drawing/2014/main" id="{2633B3B5-CC90-43F0-8714-D31D1F3F0209}"/>
+              </a:ext>
+              <a:ext uri="{C183D7F6-B498-43B3-948B-1728B52AA6E4}">
+                <adec:decorative xmlns:adec="http://schemas.microsoft.com/office/drawing/2017/decorative" val="1"/>
+              </a:ext>
+            </a:extLst>
+          </p:cNvPr>
+          <p:cNvSpPr>
+            <a:spLocks noGrp="1" noRot="1" noChangeAspect="1" noMove="1" noResize="1" noEditPoints="1" noAdjustHandles="1" noChangeArrowheads="1" noChangeShapeType="1" noTextEdit="1"/>
+          </p:cNvSpPr>
+          <p:nvPr>
+            <p:extLst>
+              <p:ext uri="{386F3935-93C4-4BCD-93E2-E3B085C9AB24}">
+                <p16:designElem xmlns:p16="http://schemas.microsoft.com/office/powerpoint/2015/main" val="1"/>
+              </p:ext>
+            </p:extLst>
+          </p:nvPr>
+        </p:nvSpPr>
+        <p:spPr>
+          <a:xfrm rot="10800000" flipH="1">
+            <a:off x="-2311" y="0"/>
+            <a:ext cx="9070846" cy="6857572"/>
+          </a:xfrm>
+          <a:prstGeom prst="rect">
+            <a:avLst/>
+          </a:prstGeom>
+          <a:gradFill>
+            <a:gsLst>
+              <a:gs pos="8000">
+                <a:srgbClr val="000000">
+                  <a:alpha val="52000"/>
+                </a:srgbClr>
+              </a:gs>
+              <a:gs pos="100000">
+                <a:schemeClr val="accent1"/>
+              </a:gs>
+            </a:gsLst>
+            <a:lin ang="4800000" scaled="0"/>
+          </a:gradFill>
+          <a:ln>
+            <a:noFill/>
+          </a:ln>
+        </p:spPr>
+        <p:style>
+          <a:lnRef idx="2">
+            <a:schemeClr val="accent1">
+              <a:shade val="50000"/>
+            </a:schemeClr>
+          </a:lnRef>
+          <a:fillRef idx="1">
+            <a:schemeClr val="accent1"/>
+          </a:fillRef>
+          <a:effectRef idx="0">
+            <a:schemeClr val="accent1"/>
+          </a:effectRef>
+          <a:fontRef idx="minor">
+            <a:schemeClr val="lt1"/>
+          </a:fontRef>
+        </p:style>
+        <p:txBody>
+          <a:bodyPr rtlCol="0" anchor="ctr"/>
+          <a:lstStyle/>
+          <a:p>
+            <a:pPr algn="ctr"/>
+            <a:endParaRPr lang="en-US"/>
+          </a:p>
+        </p:txBody>
+      </p:sp>
+      <p:sp>
+        <p:nvSpPr>
+          <p:cNvPr id="13" name="Rectangle 12">
+            <a:extLst>
+              <a:ext uri="{FF2B5EF4-FFF2-40B4-BE49-F238E27FC236}">
+                <a16:creationId xmlns:a16="http://schemas.microsoft.com/office/drawing/2014/main" id="{A8D57A06-A426-446D-B02C-A2DC6B62E45E}"/>
+              </a:ext>
+              <a:ext uri="{C183D7F6-B498-43B3-948B-1728B52AA6E4}">
+                <adec:decorative xmlns:adec="http://schemas.microsoft.com/office/drawing/2017/decorative" val="1"/>
+              </a:ext>
+            </a:extLst>
+          </p:cNvPr>
+          <p:cNvSpPr>
+            <a:spLocks noGrp="1" noRot="1" noChangeAspect="1" noMove="1" noResize="1" noEditPoints="1" noAdjustHandles="1" noChangeArrowheads="1" noChangeShapeType="1" noTextEdit="1"/>
+          </p:cNvSpPr>
+          <p:nvPr>
+            <p:extLst>
+              <p:ext uri="{386F3935-93C4-4BCD-93E2-E3B085C9AB24}">
+                <p16:designElem xmlns:p16="http://schemas.microsoft.com/office/powerpoint/2015/main" val="1"/>
+              </p:ext>
+            </p:extLst>
+          </p:nvPr>
+        </p:nvSpPr>
+        <p:spPr>
+          <a:xfrm rot="16200000" flipH="1">
+            <a:off x="3649491" y="-1685840"/>
+            <a:ext cx="4894564" cy="12193546"/>
+          </a:xfrm>
+          <a:prstGeom prst="rect">
+            <a:avLst/>
+          </a:prstGeom>
+          <a:gradFill>
+            <a:gsLst>
+              <a:gs pos="0">
+                <a:schemeClr val="accent5">
+                  <a:lumMod val="60000"/>
+                  <a:lumOff val="40000"/>
+                  <a:alpha val="0"/>
+                </a:schemeClr>
+              </a:gs>
+              <a:gs pos="100000">
+                <a:srgbClr val="000000">
+                  <a:alpha val="46000"/>
+                </a:srgbClr>
+              </a:gs>
+            </a:gsLst>
+            <a:lin ang="1200000" scaled="0"/>
+          </a:gradFill>
+          <a:ln>
+            <a:noFill/>
+          </a:ln>
+        </p:spPr>
+        <p:style>
+          <a:lnRef idx="2">
+            <a:schemeClr val="accent1">
+              <a:shade val="50000"/>
+            </a:schemeClr>
+          </a:lnRef>
+          <a:fillRef idx="1">
+            <a:schemeClr val="accent1"/>
+          </a:fillRef>
+          <a:effectRef idx="0">
+            <a:schemeClr val="accent1"/>
+          </a:effectRef>
+          <a:fontRef idx="minor">
+            <a:schemeClr val="lt1"/>
+          </a:fontRef>
+        </p:style>
+        <p:txBody>
+          <a:bodyPr rtlCol="0" anchor="ctr"/>
+          <a:lstStyle/>
+          <a:p>
+            <a:pPr algn="ctr"/>
+            <a:endParaRPr lang="en-US"/>
+          </a:p>
+        </p:txBody>
+      </p:sp>
+      <p:pic>
+        <p:nvPicPr>
+          <p:cNvPr id="2" name="Picture 1" descr="A screenshot of a computer&#10;&#10;Description automatically generated">
+            <a:extLst>
+              <a:ext uri="{FF2B5EF4-FFF2-40B4-BE49-F238E27FC236}">
+                <a16:creationId xmlns:a16="http://schemas.microsoft.com/office/drawing/2014/main" id="{313F633D-30C2-F43A-3686-3A51A52091D0}"/>
+              </a:ext>
+            </a:extLst>
+          </p:cNvPr>
+          <p:cNvPicPr>
+            <a:picLocks noChangeAspect="1"/>
+          </p:cNvPicPr>
+          <p:nvPr/>
+        </p:nvPicPr>
+        <p:blipFill>
+          <a:blip r:embed="rId2" cstate="print">
+            <a:extLst>
+              <a:ext uri="{28A0092B-C50C-407E-A947-70E740481C1C}">
+                <a14:useLocalDpi xmlns:a14="http://schemas.microsoft.com/office/drawing/2010/main" val="0"/>
+              </a:ext>
+            </a:extLst>
+          </a:blip>
+          <a:stretch>
+            <a:fillRect/>
+          </a:stretch>
+        </p:blipFill>
+        <p:spPr>
+          <a:xfrm>
+            <a:off x="1850571" y="457200"/>
+            <a:ext cx="8490858" cy="5943600"/>
+          </a:xfrm>
+          <a:prstGeom prst="rect">
+            <a:avLst/>
+          </a:prstGeom>
+        </p:spPr>
+      </p:pic>
+    </p:spTree>
+    <p:extLst>
+      <p:ext uri="{BB962C8B-B14F-4D97-AF65-F5344CB8AC3E}">
+        <p14:creationId xmlns:p14="http://schemas.microsoft.com/office/powerpoint/2010/main" val="891871064"/>
       </p:ext>
     </p:extLst>
   </p:cSld>
